--- a/life insurance 1.pptx
+++ b/life insurance 1.pptx
@@ -2,23 +2,25 @@
 <file path=ppt/presentation.xml><?xml version="1.0" encoding="utf-8"?>
 <p:presentation xmlns:a="http://schemas.openxmlformats.org/drawingml/2006/main" xmlns:r="http://schemas.openxmlformats.org/officeDocument/2006/relationships" xmlns:p="http://schemas.openxmlformats.org/presentationml/2006/main" saveSubsetFonts="1">
   <p:sldMasterIdLst>
-    <p:sldMasterId id="2147483660" r:id="rId1"/>
+    <p:sldMasterId id="2147483830" r:id="rId1"/>
   </p:sldMasterIdLst>
   <p:sldIdLst>
     <p:sldId id="256" r:id="rId2"/>
-    <p:sldId id="257" r:id="rId3"/>
-    <p:sldId id="258" r:id="rId4"/>
+    <p:sldId id="258" r:id="rId3"/>
+    <p:sldId id="257" r:id="rId4"/>
     <p:sldId id="259" r:id="rId5"/>
     <p:sldId id="260" r:id="rId6"/>
-    <p:sldId id="261" r:id="rId7"/>
+    <p:sldId id="273" r:id="rId7"/>
     <p:sldId id="262" r:id="rId8"/>
     <p:sldId id="263" r:id="rId9"/>
     <p:sldId id="264" r:id="rId10"/>
-    <p:sldId id="269" r:id="rId11"/>
-    <p:sldId id="265" r:id="rId12"/>
-    <p:sldId id="266" r:id="rId13"/>
-    <p:sldId id="267" r:id="rId14"/>
-    <p:sldId id="268" r:id="rId15"/>
+    <p:sldId id="270" r:id="rId11"/>
+    <p:sldId id="271" r:id="rId12"/>
+    <p:sldId id="267" r:id="rId13"/>
+    <p:sldId id="266" r:id="rId14"/>
+    <p:sldId id="269" r:id="rId15"/>
+    <p:sldId id="268" r:id="rId16"/>
+    <p:sldId id="272" r:id="rId17"/>
   </p:sldIdLst>
   <p:sldSz cx="12192000" cy="6858000"/>
   <p:notesSz cx="6858000" cy="9144000"/>
@@ -144,7 +146,7 @@
       </p:grpSpPr>
       <p:grpSp>
         <p:nvGrpSpPr>
-          <p:cNvPr id="7" name="Group 6"/>
+          <p:cNvPr id="16" name="Group 15"/>
           <p:cNvGrpSpPr/>
           <p:nvPr/>
         </p:nvGrpSpPr>
@@ -156,9 +158,72 @@
             <a:chExt cx="12192000" cy="6866467"/>
           </a:xfrm>
         </p:grpSpPr>
+        <p:sp>
+          <p:nvSpPr>
+            <p:cNvPr id="15" name="Freeform 14"/>
+            <p:cNvSpPr/>
+            <p:nvPr/>
+          </p:nvSpPr>
+          <p:spPr>
+            <a:xfrm>
+              <a:off x="0" y="-7862"/>
+              <a:ext cx="863600" cy="5698067"/>
+            </a:xfrm>
+            <a:custGeom>
+              <a:avLst/>
+              <a:gdLst/>
+              <a:ahLst/>
+              <a:cxnLst/>
+              <a:rect l="l" t="t" r="r" b="b"/>
+              <a:pathLst>
+                <a:path w="863600" h="5698067">
+                  <a:moveTo>
+                    <a:pt x="0" y="8467"/>
+                  </a:moveTo>
+                  <a:lnTo>
+                    <a:pt x="863600" y="0"/>
+                  </a:lnTo>
+                  <a:lnTo>
+                    <a:pt x="863600" y="16934"/>
+                  </a:lnTo>
+                  <a:lnTo>
+                    <a:pt x="0" y="5698067"/>
+                  </a:lnTo>
+                  <a:lnTo>
+                    <a:pt x="0" y="8467"/>
+                  </a:lnTo>
+                  <a:close/>
+                </a:path>
+              </a:pathLst>
+            </a:custGeom>
+            <a:solidFill>
+              <a:schemeClr val="accent1">
+                <a:alpha val="70000"/>
+              </a:schemeClr>
+            </a:solidFill>
+            <a:ln>
+              <a:noFill/>
+            </a:ln>
+            <a:effectLst/>
+          </p:spPr>
+          <p:style>
+            <a:lnRef idx="1">
+              <a:schemeClr val="accent1"/>
+            </a:lnRef>
+            <a:fillRef idx="3">
+              <a:schemeClr val="accent1"/>
+            </a:fillRef>
+            <a:effectRef idx="2">
+              <a:schemeClr val="accent1"/>
+            </a:effectRef>
+            <a:fontRef idx="minor">
+              <a:schemeClr val="lt1"/>
+            </a:fontRef>
+          </p:style>
+        </p:sp>
         <p:cxnSp>
           <p:nvCxnSpPr>
-            <p:cNvPr id="32" name="Straight Connector 31"/>
+            <p:cNvPr id="19" name="Straight Connector 18"/>
             <p:cNvCxnSpPr/>
             <p:nvPr/>
           </p:nvCxnSpPr>
@@ -172,8 +237,8 @@
             </a:prstGeom>
             <a:ln w="9525">
               <a:solidFill>
-                <a:schemeClr val="bg1">
-                  <a:lumMod val="75000"/>
+                <a:schemeClr val="accent1">
+                  <a:alpha val="70000"/>
                 </a:schemeClr>
               </a:solidFill>
             </a:ln>
@@ -195,7 +260,7 @@
         </p:cxnSp>
         <p:cxnSp>
           <p:nvCxnSpPr>
-            <p:cNvPr id="21" name="Straight Connector 20"/>
+            <p:cNvPr id="20" name="Straight Connector 19"/>
             <p:cNvCxnSpPr/>
             <p:nvPr/>
           </p:nvCxnSpPr>
@@ -209,8 +274,8 @@
             </a:prstGeom>
             <a:ln w="9525">
               <a:solidFill>
-                <a:schemeClr val="bg1">
-                  <a:lumMod val="85000"/>
+                <a:schemeClr val="accent1">
+                  <a:alpha val="70000"/>
                 </a:schemeClr>
               </a:solidFill>
             </a:ln>
@@ -232,7 +297,7 @@
         </p:cxnSp>
         <p:sp>
           <p:nvSpPr>
-            <p:cNvPr id="24" name="Rectangle 23"/>
+            <p:cNvPr id="21" name="Rectangle 23"/>
             <p:cNvSpPr/>
             <p:nvPr/>
           </p:nvSpPr>
@@ -270,7 +335,7 @@
             </a:custGeom>
             <a:solidFill>
               <a:schemeClr val="accent1">
-                <a:alpha val="30000"/>
+                <a:alpha val="36000"/>
               </a:schemeClr>
             </a:solidFill>
             <a:ln>
@@ -295,7 +360,7 @@
         </p:sp>
         <p:sp>
           <p:nvSpPr>
-            <p:cNvPr id="26" name="Rectangle 25"/>
+            <p:cNvPr id="22" name="Rectangle 25"/>
             <p:cNvSpPr/>
             <p:nvPr/>
           </p:nvSpPr>
@@ -358,7 +423,7 @@
         </p:sp>
         <p:sp>
           <p:nvSpPr>
-            <p:cNvPr id="27" name="Isosceles Triangle 26"/>
+            <p:cNvPr id="23" name="Isosceles Triangle 22"/>
             <p:cNvSpPr/>
             <p:nvPr/>
           </p:nvSpPr>
@@ -373,8 +438,9 @@
               </a:avLst>
             </a:prstGeom>
             <a:solidFill>
-              <a:schemeClr val="accent2">
-                <a:alpha val="72000"/>
+              <a:schemeClr val="accent1">
+                <a:lumMod val="75000"/>
+                <a:alpha val="66000"/>
               </a:schemeClr>
             </a:solidFill>
             <a:ln>
@@ -399,7 +465,7 @@
         </p:sp>
         <p:sp>
           <p:nvSpPr>
-            <p:cNvPr id="28" name="Rectangle 27"/>
+            <p:cNvPr id="24" name="Rectangle 27"/>
             <p:cNvSpPr/>
             <p:nvPr/>
           </p:nvSpPr>
@@ -436,9 +502,9 @@
               </a:pathLst>
             </a:custGeom>
             <a:solidFill>
-              <a:schemeClr val="accent2">
+              <a:schemeClr val="accent1">
                 <a:lumMod val="75000"/>
-                <a:alpha val="70000"/>
+                <a:alpha val="50000"/>
               </a:schemeClr>
             </a:solidFill>
             <a:ln>
@@ -463,7 +529,7 @@
         </p:sp>
         <p:sp>
           <p:nvSpPr>
-            <p:cNvPr id="29" name="Rectangle 28"/>
+            <p:cNvPr id="25" name="Rectangle 28"/>
             <p:cNvSpPr/>
             <p:nvPr/>
           </p:nvSpPr>
@@ -500,9 +566,7 @@
               </a:pathLst>
             </a:custGeom>
             <a:solidFill>
-              <a:schemeClr val="accent1">
-                <a:lumMod val="60000"/>
-                <a:lumOff val="40000"/>
+              <a:schemeClr val="accent2">
                 <a:alpha val="70000"/>
               </a:schemeClr>
             </a:solidFill>
@@ -528,7 +592,7 @@
         </p:sp>
         <p:sp>
           <p:nvSpPr>
-            <p:cNvPr id="30" name="Rectangle 29"/>
+            <p:cNvPr id="26" name="Rectangle 29"/>
             <p:cNvSpPr/>
             <p:nvPr/>
           </p:nvSpPr>
@@ -565,48 +629,8 @@
               </a:pathLst>
             </a:custGeom>
             <a:solidFill>
-              <a:schemeClr val="accent1">
-                <a:alpha val="65000"/>
-              </a:schemeClr>
-            </a:solidFill>
-            <a:ln>
-              <a:noFill/>
-            </a:ln>
-            <a:effectLst/>
-          </p:spPr>
-          <p:style>
-            <a:lnRef idx="1">
-              <a:schemeClr val="accent1"/>
-            </a:lnRef>
-            <a:fillRef idx="3">
-              <a:schemeClr val="accent1"/>
-            </a:fillRef>
-            <a:effectRef idx="2">
-              <a:schemeClr val="accent1"/>
-            </a:effectRef>
-            <a:fontRef idx="minor">
-              <a:schemeClr val="lt1"/>
-            </a:fontRef>
-          </p:style>
-        </p:sp>
-        <p:sp>
-          <p:nvSpPr>
-            <p:cNvPr id="31" name="Isosceles Triangle 30"/>
-            <p:cNvSpPr/>
-            <p:nvPr/>
-          </p:nvSpPr>
-          <p:spPr>
-            <a:xfrm>
-              <a:off x="10371666" y="3589867"/>
-              <a:ext cx="1817159" cy="3268133"/>
-            </a:xfrm>
-            <a:prstGeom prst="triangle">
-              <a:avLst>
-                <a:gd name="adj" fmla="val 100000"/>
-              </a:avLst>
-            </a:prstGeom>
-            <a:solidFill>
-              <a:schemeClr val="accent1">
+              <a:schemeClr val="accent2">
+                <a:lumMod val="75000"/>
                 <a:alpha val="80000"/>
               </a:schemeClr>
             </a:solidFill>
@@ -632,14 +656,14 @@
         </p:sp>
         <p:sp>
           <p:nvSpPr>
-            <p:cNvPr id="19" name="Isosceles Triangle 18"/>
+            <p:cNvPr id="27" name="Isosceles Triangle 26"/>
             <p:cNvSpPr/>
             <p:nvPr/>
           </p:nvSpPr>
           <p:spPr>
-            <a:xfrm rot="10800000">
-              <a:off x="0" y="0"/>
-              <a:ext cx="842596" cy="5666154"/>
+            <a:xfrm>
+              <a:off x="10371666" y="3589867"/>
+              <a:ext cx="1817159" cy="3268133"/>
             </a:xfrm>
             <a:prstGeom prst="triangle">
               <a:avLst>
@@ -648,7 +672,8 @@
             </a:prstGeom>
             <a:solidFill>
               <a:schemeClr val="accent1">
-                <a:alpha val="85000"/>
+                <a:lumMod val="75000"/>
+                <a:alpha val="66000"/>
               </a:schemeClr>
             </a:solidFill>
             <a:ln>
@@ -847,7 +872,7 @@
           <a:p>
             <a:fld id="{F5E3CC73-1139-43CA-87AD-0D19C68CF403}" type="datetimeFigureOut">
               <a:rPr lang="en-IN" smtClean="0"/>
-              <a:t>29-01-2023</a:t>
+              <a:t>30-01-2023</a:t>
             </a:fld>
             <a:endParaRPr lang="en-IN"/>
           </a:p>
@@ -898,7 +923,7 @@
     </p:spTree>
     <p:extLst>
       <p:ext uri="{BB962C8B-B14F-4D97-AF65-F5344CB8AC3E}">
-        <p14:creationId xmlns:p14="http://schemas.microsoft.com/office/powerpoint/2010/main" val="3288315"/>
+        <p14:creationId xmlns:p14="http://schemas.microsoft.com/office/powerpoint/2010/main" val="3837776561"/>
       </p:ext>
     </p:extLst>
   </p:cSld>
@@ -1098,7 +1123,7 @@
           <a:p>
             <a:fld id="{F5E3CC73-1139-43CA-87AD-0D19C68CF403}" type="datetimeFigureOut">
               <a:rPr lang="en-IN" smtClean="0"/>
-              <a:t>29-01-2023</a:t>
+              <a:t>30-01-2023</a:t>
             </a:fld>
             <a:endParaRPr lang="en-IN"/>
           </a:p>
@@ -1149,7 +1174,7 @@
     </p:spTree>
     <p:extLst>
       <p:ext uri="{BB962C8B-B14F-4D97-AF65-F5344CB8AC3E}">
-        <p14:creationId xmlns:p14="http://schemas.microsoft.com/office/powerpoint/2010/main" val="1262941609"/>
+        <p14:creationId xmlns:p14="http://schemas.microsoft.com/office/powerpoint/2010/main" val="2845033276"/>
       </p:ext>
     </p:extLst>
   </p:cSld>
@@ -1412,7 +1437,7 @@
           <a:p>
             <a:fld id="{F5E3CC73-1139-43CA-87AD-0D19C68CF403}" type="datetimeFigureOut">
               <a:rPr lang="en-IN" smtClean="0"/>
-              <a:t>29-01-2023</a:t>
+              <a:t>30-01-2023</a:t>
             </a:fld>
             <a:endParaRPr lang="en-IN"/>
           </a:p>
@@ -1462,7 +1487,7 @@
       </p:sp>
       <p:sp>
         <p:nvSpPr>
-          <p:cNvPr id="20" name="TextBox 19"/>
+          <p:cNvPr id="24" name="TextBox 23"/>
           <p:cNvSpPr txBox="1"/>
           <p:nvPr/>
         </p:nvSpPr>
@@ -1503,7 +1528,7 @@
       </p:sp>
       <p:sp>
         <p:nvSpPr>
-          <p:cNvPr id="22" name="TextBox 21"/>
+          <p:cNvPr id="25" name="TextBox 24"/>
           <p:cNvSpPr txBox="1"/>
           <p:nvPr/>
         </p:nvSpPr>
@@ -1534,26 +1559,18 @@
                     <a:lumOff val="40000"/>
                   </a:schemeClr>
                 </a:solidFill>
+                <a:effectLst/>
                 <a:latin typeface="Arial"/>
               </a:rPr>
               <a:t>”</a:t>
             </a:r>
-            <a:endParaRPr lang="en-US" dirty="0">
-              <a:solidFill>
-                <a:schemeClr val="accent1">
-                  <a:lumMod val="60000"/>
-                  <a:lumOff val="40000"/>
-                </a:schemeClr>
-              </a:solidFill>
-              <a:latin typeface="Arial"/>
-            </a:endParaRPr>
           </a:p>
         </p:txBody>
       </p:sp>
     </p:spTree>
     <p:extLst>
       <p:ext uri="{BB962C8B-B14F-4D97-AF65-F5344CB8AC3E}">
-        <p14:creationId xmlns:p14="http://schemas.microsoft.com/office/powerpoint/2010/main" val="1169236022"/>
+        <p14:creationId xmlns:p14="http://schemas.microsoft.com/office/powerpoint/2010/main" val="1128405394"/>
       </p:ext>
     </p:extLst>
   </p:cSld>
@@ -1753,7 +1770,7 @@
           <a:p>
             <a:fld id="{F5E3CC73-1139-43CA-87AD-0D19C68CF403}" type="datetimeFigureOut">
               <a:rPr lang="en-IN" smtClean="0"/>
-              <a:t>29-01-2023</a:t>
+              <a:t>30-01-2023</a:t>
             </a:fld>
             <a:endParaRPr lang="en-IN"/>
           </a:p>
@@ -1804,7 +1821,7 @@
     </p:spTree>
     <p:extLst>
       <p:ext uri="{BB962C8B-B14F-4D97-AF65-F5344CB8AC3E}">
-        <p14:creationId xmlns:p14="http://schemas.microsoft.com/office/powerpoint/2010/main" val="476995061"/>
+        <p14:creationId xmlns:p14="http://schemas.microsoft.com/office/powerpoint/2010/main" val="1075721670"/>
       </p:ext>
     </p:extLst>
   </p:cSld>
@@ -2067,7 +2084,7 @@
           <a:p>
             <a:fld id="{F5E3CC73-1139-43CA-87AD-0D19C68CF403}" type="datetimeFigureOut">
               <a:rPr lang="en-IN" smtClean="0"/>
-              <a:t>29-01-2023</a:t>
+              <a:t>30-01-2023</a:t>
             </a:fld>
             <a:endParaRPr lang="en-IN"/>
           </a:p>
@@ -2200,7 +2217,7 @@
     </p:spTree>
     <p:extLst>
       <p:ext uri="{BB962C8B-B14F-4D97-AF65-F5344CB8AC3E}">
-        <p14:creationId xmlns:p14="http://schemas.microsoft.com/office/powerpoint/2010/main" val="4263819572"/>
+        <p14:creationId xmlns:p14="http://schemas.microsoft.com/office/powerpoint/2010/main" val="3569442454"/>
       </p:ext>
     </p:extLst>
   </p:cSld>
@@ -2460,7 +2477,7 @@
           <a:p>
             <a:fld id="{F5E3CC73-1139-43CA-87AD-0D19C68CF403}" type="datetimeFigureOut">
               <a:rPr lang="en-IN" smtClean="0"/>
-              <a:t>29-01-2023</a:t>
+              <a:t>30-01-2023</a:t>
             </a:fld>
             <a:endParaRPr lang="en-IN"/>
           </a:p>
@@ -2511,7 +2528,7 @@
     </p:spTree>
     <p:extLst>
       <p:ext uri="{BB962C8B-B14F-4D97-AF65-F5344CB8AC3E}">
-        <p14:creationId xmlns:p14="http://schemas.microsoft.com/office/powerpoint/2010/main" val="983825400"/>
+        <p14:creationId xmlns:p14="http://schemas.microsoft.com/office/powerpoint/2010/main" val="2438750631"/>
       </p:ext>
     </p:extLst>
   </p:cSld>
@@ -2630,7 +2647,7 @@
           <a:p>
             <a:fld id="{F5E3CC73-1139-43CA-87AD-0D19C68CF403}" type="datetimeFigureOut">
               <a:rPr lang="en-IN" smtClean="0"/>
-              <a:t>29-01-2023</a:t>
+              <a:t>30-01-2023</a:t>
             </a:fld>
             <a:endParaRPr lang="en-IN"/>
           </a:p>
@@ -2681,7 +2698,7 @@
     </p:spTree>
     <p:extLst>
       <p:ext uri="{BB962C8B-B14F-4D97-AF65-F5344CB8AC3E}">
-        <p14:creationId xmlns:p14="http://schemas.microsoft.com/office/powerpoint/2010/main" val="923358388"/>
+        <p14:creationId xmlns:p14="http://schemas.microsoft.com/office/powerpoint/2010/main" val="3729934986"/>
       </p:ext>
     </p:extLst>
   </p:cSld>
@@ -2810,7 +2827,7 @@
           <a:p>
             <a:fld id="{F5E3CC73-1139-43CA-87AD-0D19C68CF403}" type="datetimeFigureOut">
               <a:rPr lang="en-IN" smtClean="0"/>
-              <a:t>29-01-2023</a:t>
+              <a:t>30-01-2023</a:t>
             </a:fld>
             <a:endParaRPr lang="en-IN"/>
           </a:p>
@@ -2861,7 +2878,7 @@
     </p:spTree>
     <p:extLst>
       <p:ext uri="{BB962C8B-B14F-4D97-AF65-F5344CB8AC3E}">
-        <p14:creationId xmlns:p14="http://schemas.microsoft.com/office/powerpoint/2010/main" val="3431134325"/>
+        <p14:creationId xmlns:p14="http://schemas.microsoft.com/office/powerpoint/2010/main" val="2851418351"/>
       </p:ext>
     </p:extLst>
   </p:cSld>
@@ -2900,14 +2917,8 @@
         </p:nvSpPr>
         <p:spPr/>
         <p:txBody>
-          <a:bodyPr>
-            <a:normAutofit/>
-          </a:bodyPr>
-          <a:lstStyle>
-            <a:lvl1pPr>
-              <a:defRPr sz="3600"/>
-            </a:lvl1pPr>
-          </a:lstStyle>
+          <a:bodyPr/>
+          <a:lstStyle/>
           <a:p>
             <a:r>
               <a:rPr lang="en-US"/>
@@ -2986,7 +2997,7 @@
           <a:p>
             <a:fld id="{F5E3CC73-1139-43CA-87AD-0D19C68CF403}" type="datetimeFigureOut">
               <a:rPr lang="en-IN" smtClean="0"/>
-              <a:t>29-01-2023</a:t>
+              <a:t>30-01-2023</a:t>
             </a:fld>
             <a:endParaRPr lang="en-IN"/>
           </a:p>
@@ -3037,7 +3048,7 @@
     </p:spTree>
     <p:extLst>
       <p:ext uri="{BB962C8B-B14F-4D97-AF65-F5344CB8AC3E}">
-        <p14:creationId xmlns:p14="http://schemas.microsoft.com/office/powerpoint/2010/main" val="2113993508"/>
+        <p14:creationId xmlns:p14="http://schemas.microsoft.com/office/powerpoint/2010/main" val="3101843849"/>
       </p:ext>
     </p:extLst>
   </p:cSld>
@@ -3233,7 +3244,7 @@
           <a:p>
             <a:fld id="{F5E3CC73-1139-43CA-87AD-0D19C68CF403}" type="datetimeFigureOut">
               <a:rPr lang="en-IN" smtClean="0"/>
-              <a:t>29-01-2023</a:t>
+              <a:t>30-01-2023</a:t>
             </a:fld>
             <a:endParaRPr lang="en-IN"/>
           </a:p>
@@ -3284,7 +3295,7 @@
     </p:spTree>
     <p:extLst>
       <p:ext uri="{BB962C8B-B14F-4D97-AF65-F5344CB8AC3E}">
-        <p14:creationId xmlns:p14="http://schemas.microsoft.com/office/powerpoint/2010/main" val="673745760"/>
+        <p14:creationId xmlns:p14="http://schemas.microsoft.com/office/powerpoint/2010/main" val="2967810641"/>
       </p:ext>
     </p:extLst>
   </p:cSld>
@@ -3465,7 +3476,7 @@
           <a:p>
             <a:fld id="{F5E3CC73-1139-43CA-87AD-0D19C68CF403}" type="datetimeFigureOut">
               <a:rPr lang="en-IN" smtClean="0"/>
-              <a:t>29-01-2023</a:t>
+              <a:t>30-01-2023</a:t>
             </a:fld>
             <a:endParaRPr lang="en-IN"/>
           </a:p>
@@ -3516,7 +3527,7 @@
     </p:spTree>
     <p:extLst>
       <p:ext uri="{BB962C8B-B14F-4D97-AF65-F5344CB8AC3E}">
-        <p14:creationId xmlns:p14="http://schemas.microsoft.com/office/powerpoint/2010/main" val="620175993"/>
+        <p14:creationId xmlns:p14="http://schemas.microsoft.com/office/powerpoint/2010/main" val="2881336300"/>
       </p:ext>
     </p:extLst>
   </p:cSld>
@@ -3839,7 +3850,7 @@
           <a:p>
             <a:fld id="{F5E3CC73-1139-43CA-87AD-0D19C68CF403}" type="datetimeFigureOut">
               <a:rPr lang="en-IN" smtClean="0"/>
-              <a:t>29-01-2023</a:t>
+              <a:t>30-01-2023</a:t>
             </a:fld>
             <a:endParaRPr lang="en-IN"/>
           </a:p>
@@ -3890,7 +3901,7 @@
     </p:spTree>
     <p:extLst>
       <p:ext uri="{BB962C8B-B14F-4D97-AF65-F5344CB8AC3E}">
-        <p14:creationId xmlns:p14="http://schemas.microsoft.com/office/powerpoint/2010/main" val="3619498758"/>
+        <p14:creationId xmlns:p14="http://schemas.microsoft.com/office/powerpoint/2010/main" val="3945357148"/>
       </p:ext>
     </p:extLst>
   </p:cSld>
@@ -3962,7 +3973,7 @@
           <a:p>
             <a:fld id="{F5E3CC73-1139-43CA-87AD-0D19C68CF403}" type="datetimeFigureOut">
               <a:rPr lang="en-IN" smtClean="0"/>
-              <a:t>29-01-2023</a:t>
+              <a:t>30-01-2023</a:t>
             </a:fld>
             <a:endParaRPr lang="en-IN"/>
           </a:p>
@@ -4013,7 +4024,7 @@
     </p:spTree>
     <p:extLst>
       <p:ext uri="{BB962C8B-B14F-4D97-AF65-F5344CB8AC3E}">
-        <p14:creationId xmlns:p14="http://schemas.microsoft.com/office/powerpoint/2010/main" val="1530850047"/>
+        <p14:creationId xmlns:p14="http://schemas.microsoft.com/office/powerpoint/2010/main" val="3650064216"/>
       </p:ext>
     </p:extLst>
   </p:cSld>
@@ -4057,7 +4068,7 @@
           <a:p>
             <a:fld id="{F5E3CC73-1139-43CA-87AD-0D19C68CF403}" type="datetimeFigureOut">
               <a:rPr lang="en-IN" smtClean="0"/>
-              <a:t>29-01-2023</a:t>
+              <a:t>30-01-2023</a:t>
             </a:fld>
             <a:endParaRPr lang="en-IN"/>
           </a:p>
@@ -4108,7 +4119,7 @@
     </p:spTree>
     <p:extLst>
       <p:ext uri="{BB962C8B-B14F-4D97-AF65-F5344CB8AC3E}">
-        <p14:creationId xmlns:p14="http://schemas.microsoft.com/office/powerpoint/2010/main" val="2252012663"/>
+        <p14:creationId xmlns:p14="http://schemas.microsoft.com/office/powerpoint/2010/main" val="3828275426"/>
       </p:ext>
     </p:extLst>
   </p:cSld>
@@ -4312,7 +4323,7 @@
           <a:p>
             <a:fld id="{F5E3CC73-1139-43CA-87AD-0D19C68CF403}" type="datetimeFigureOut">
               <a:rPr lang="en-IN" smtClean="0"/>
-              <a:t>29-01-2023</a:t>
+              <a:t>30-01-2023</a:t>
             </a:fld>
             <a:endParaRPr lang="en-IN"/>
           </a:p>
@@ -4363,7 +4374,7 @@
     </p:spTree>
     <p:extLst>
       <p:ext uri="{BB962C8B-B14F-4D97-AF65-F5344CB8AC3E}">
-        <p14:creationId xmlns:p14="http://schemas.microsoft.com/office/powerpoint/2010/main" val="743932423"/>
+        <p14:creationId xmlns:p14="http://schemas.microsoft.com/office/powerpoint/2010/main" val="3349063952"/>
       </p:ext>
     </p:extLst>
   </p:cSld>
@@ -4560,29 +4571,6 @@
       </p:sp>
       <p:sp>
         <p:nvSpPr>
-          <p:cNvPr id="5" name="Date Placeholder 4"/>
-          <p:cNvSpPr>
-            <a:spLocks noGrp="1"/>
-          </p:cNvSpPr>
-          <p:nvPr>
-            <p:ph type="dt" sz="half" idx="10"/>
-          </p:nvPr>
-        </p:nvSpPr>
-        <p:spPr/>
-        <p:txBody>
-          <a:bodyPr/>
-          <a:lstStyle/>
-          <a:p>
-            <a:fld id="{F5E3CC73-1139-43CA-87AD-0D19C68CF403}" type="datetimeFigureOut">
-              <a:rPr lang="en-IN" smtClean="0"/>
-              <a:t>29-01-2023</a:t>
-            </a:fld>
-            <a:endParaRPr lang="en-IN"/>
-          </a:p>
-        </p:txBody>
-      </p:sp>
-      <p:sp>
-        <p:nvSpPr>
           <p:cNvPr id="6" name="Footer Placeholder 5"/>
           <p:cNvSpPr>
             <a:spLocks noGrp="1"/>
@@ -4623,10 +4611,33 @@
           </a:p>
         </p:txBody>
       </p:sp>
+      <p:sp>
+        <p:nvSpPr>
+          <p:cNvPr id="5" name="Date Placeholder 4"/>
+          <p:cNvSpPr>
+            <a:spLocks noGrp="1"/>
+          </p:cNvSpPr>
+          <p:nvPr>
+            <p:ph type="dt" sz="half" idx="10"/>
+          </p:nvPr>
+        </p:nvSpPr>
+        <p:spPr/>
+        <p:txBody>
+          <a:bodyPr/>
+          <a:lstStyle/>
+          <a:p>
+            <a:fld id="{F5E3CC73-1139-43CA-87AD-0D19C68CF403}" type="datetimeFigureOut">
+              <a:rPr lang="en-IN" smtClean="0"/>
+              <a:t>30-01-2023</a:t>
+            </a:fld>
+            <a:endParaRPr lang="en-IN"/>
+          </a:p>
+        </p:txBody>
+      </p:sp>
     </p:spTree>
     <p:extLst>
       <p:ext uri="{BB962C8B-B14F-4D97-AF65-F5344CB8AC3E}">
-        <p14:creationId xmlns:p14="http://schemas.microsoft.com/office/powerpoint/2010/main" val="3556485023"/>
+        <p14:creationId xmlns:p14="http://schemas.microsoft.com/office/powerpoint/2010/main" val="2075524512"/>
       </p:ext>
     </p:extLst>
   </p:cSld>
@@ -4660,7 +4671,7 @@
       </p:grpSpPr>
       <p:grpSp>
         <p:nvGrpSpPr>
-          <p:cNvPr id="7" name="Group 6"/>
+          <p:cNvPr id="44" name="Group 43"/>
           <p:cNvGrpSpPr/>
           <p:nvPr/>
         </p:nvGrpSpPr>
@@ -4688,8 +4699,8 @@
             </a:prstGeom>
             <a:ln w="9525">
               <a:solidFill>
-                <a:schemeClr val="bg1">
-                  <a:lumMod val="75000"/>
+                <a:schemeClr val="accent1">
+                  <a:alpha val="70000"/>
                 </a:schemeClr>
               </a:solidFill>
             </a:ln>
@@ -4725,8 +4736,8 @@
             </a:prstGeom>
             <a:ln w="9525">
               <a:solidFill>
-                <a:schemeClr val="bg1">
-                  <a:lumMod val="85000"/>
+                <a:schemeClr val="accent1">
+                  <a:alpha val="70000"/>
                 </a:schemeClr>
               </a:solidFill>
             </a:ln>
@@ -4786,7 +4797,7 @@
             </a:custGeom>
             <a:solidFill>
               <a:schemeClr val="accent1">
-                <a:alpha val="30000"/>
+                <a:alpha val="36000"/>
               </a:schemeClr>
             </a:solidFill>
             <a:ln>
@@ -4889,8 +4900,9 @@
               </a:avLst>
             </a:prstGeom>
             <a:solidFill>
-              <a:schemeClr val="accent2">
-                <a:alpha val="72000"/>
+              <a:schemeClr val="accent1">
+                <a:lumMod val="75000"/>
+                <a:alpha val="66000"/>
               </a:schemeClr>
             </a:solidFill>
             <a:ln>
@@ -4952,9 +4964,9 @@
               </a:pathLst>
             </a:custGeom>
             <a:solidFill>
-              <a:schemeClr val="accent2">
+              <a:schemeClr val="accent1">
                 <a:lumMod val="75000"/>
-                <a:alpha val="70000"/>
+                <a:alpha val="50000"/>
               </a:schemeClr>
             </a:solidFill>
             <a:ln>
@@ -5016,9 +5028,7 @@
               </a:pathLst>
             </a:custGeom>
             <a:solidFill>
-              <a:schemeClr val="accent1">
-                <a:lumMod val="60000"/>
-                <a:lumOff val="40000"/>
+              <a:schemeClr val="accent2">
                 <a:alpha val="70000"/>
               </a:schemeClr>
             </a:solidFill>
@@ -5081,8 +5091,9 @@
               </a:pathLst>
             </a:custGeom>
             <a:solidFill>
-              <a:schemeClr val="accent1">
-                <a:alpha val="65000"/>
+              <a:schemeClr val="accent2">
+                <a:lumMod val="75000"/>
+                <a:alpha val="80000"/>
               </a:schemeClr>
             </a:solidFill>
             <a:ln>
@@ -5123,7 +5134,8 @@
             </a:prstGeom>
             <a:solidFill>
               <a:schemeClr val="accent1">
-                <a:alpha val="80000"/>
+                <a:lumMod val="75000"/>
+                <a:alpha val="66000"/>
               </a:schemeClr>
             </a:solidFill>
             <a:ln>
@@ -5148,7 +5160,7 @@
         </p:sp>
         <p:sp>
           <p:nvSpPr>
-            <p:cNvPr id="29" name="Isosceles Triangle 28"/>
+            <p:cNvPr id="19" name="Isosceles Triangle 18"/>
             <p:cNvSpPr/>
             <p:nvPr/>
           </p:nvSpPr>
@@ -5164,7 +5176,7 @@
             </a:prstGeom>
             <a:solidFill>
               <a:schemeClr val="accent1">
-                <a:alpha val="85000"/>
+                <a:alpha val="70000"/>
               </a:schemeClr>
             </a:solidFill>
             <a:ln>
@@ -5318,7 +5330,7 @@
           <a:p>
             <a:fld id="{F5E3CC73-1139-43CA-87AD-0D19C68CF403}" type="datetimeFigureOut">
               <a:rPr lang="en-IN" smtClean="0"/>
-              <a:t>29-01-2023</a:t>
+              <a:t>30-01-2023</a:t>
             </a:fld>
             <a:endParaRPr lang="en-IN"/>
           </a:p>
@@ -5403,28 +5415,28 @@
     </p:spTree>
     <p:extLst>
       <p:ext uri="{BB962C8B-B14F-4D97-AF65-F5344CB8AC3E}">
-        <p14:creationId xmlns:p14="http://schemas.microsoft.com/office/powerpoint/2010/main" val="2384452932"/>
+        <p14:creationId xmlns:p14="http://schemas.microsoft.com/office/powerpoint/2010/main" val="1752090277"/>
       </p:ext>
     </p:extLst>
   </p:cSld>
   <p:clrMap bg1="lt1" tx1="dk1" bg2="lt2" tx2="dk2" accent1="accent1" accent2="accent2" accent3="accent3" accent4="accent4" accent5="accent5" accent6="accent6" hlink="hlink" folHlink="folHlink"/>
   <p:sldLayoutIdLst>
-    <p:sldLayoutId id="2147483661" r:id="rId1"/>
-    <p:sldLayoutId id="2147483662" r:id="rId2"/>
-    <p:sldLayoutId id="2147483663" r:id="rId3"/>
-    <p:sldLayoutId id="2147483664" r:id="rId4"/>
-    <p:sldLayoutId id="2147483665" r:id="rId5"/>
-    <p:sldLayoutId id="2147483666" r:id="rId6"/>
-    <p:sldLayoutId id="2147483667" r:id="rId7"/>
-    <p:sldLayoutId id="2147483668" r:id="rId8"/>
-    <p:sldLayoutId id="2147483669" r:id="rId9"/>
-    <p:sldLayoutId id="2147483670" r:id="rId10"/>
-    <p:sldLayoutId id="2147483671" r:id="rId11"/>
-    <p:sldLayoutId id="2147483672" r:id="rId12"/>
-    <p:sldLayoutId id="2147483673" r:id="rId13"/>
-    <p:sldLayoutId id="2147483674" r:id="rId14"/>
-    <p:sldLayoutId id="2147483675" r:id="rId15"/>
-    <p:sldLayoutId id="2147483676" r:id="rId16"/>
+    <p:sldLayoutId id="2147483831" r:id="rId1"/>
+    <p:sldLayoutId id="2147483832" r:id="rId2"/>
+    <p:sldLayoutId id="2147483833" r:id="rId3"/>
+    <p:sldLayoutId id="2147483834" r:id="rId4"/>
+    <p:sldLayoutId id="2147483835" r:id="rId5"/>
+    <p:sldLayoutId id="2147483836" r:id="rId6"/>
+    <p:sldLayoutId id="2147483837" r:id="rId7"/>
+    <p:sldLayoutId id="2147483838" r:id="rId8"/>
+    <p:sldLayoutId id="2147483839" r:id="rId9"/>
+    <p:sldLayoutId id="2147483840" r:id="rId10"/>
+    <p:sldLayoutId id="2147483841" r:id="rId11"/>
+    <p:sldLayoutId id="2147483842" r:id="rId12"/>
+    <p:sldLayoutId id="2147483843" r:id="rId13"/>
+    <p:sldLayoutId id="2147483844" r:id="rId14"/>
+    <p:sldLayoutId id="2147483845" r:id="rId15"/>
+    <p:sldLayoutId id="2147483846" r:id="rId16"/>
   </p:sldLayoutIdLst>
   <p:txStyles>
     <p:titleStyle>
@@ -5861,7 +5873,7 @@
         <p:spPr>
           <a:xfrm>
             <a:off x="1507067" y="873760"/>
-            <a:ext cx="7766936" cy="2555240"/>
+            <a:ext cx="7766936" cy="2235200"/>
           </a:xfrm>
         </p:spPr>
         <p:txBody>
@@ -5893,9 +5905,16 @@
             <p:ph type="subTitle" idx="1"/>
           </p:nvPr>
         </p:nvSpPr>
-        <p:spPr/>
-        <p:txBody>
-          <a:bodyPr/>
+        <p:spPr>
+          <a:xfrm>
+            <a:off x="1507066" y="4050833"/>
+            <a:ext cx="7954567" cy="1933407"/>
+          </a:xfrm>
+        </p:spPr>
+        <p:txBody>
+          <a:bodyPr>
+            <a:normAutofit lnSpcReduction="10000"/>
+          </a:bodyPr>
           <a:lstStyle/>
           <a:p>
             <a:r>
@@ -5908,7 +5927,24 @@
               <a:rPr lang="en-US" dirty="0"/>
               <a:t>192011055</a:t>
             </a:r>
-            <a:endParaRPr lang="en-IN" dirty="0"/>
+          </a:p>
+          <a:p>
+            <a:r>
+              <a:rPr lang="en-US" dirty="0"/>
+              <a:t>CSA3731-Software testing </a:t>
+            </a:r>
+          </a:p>
+          <a:p>
+            <a:r>
+              <a:rPr lang="en-US" dirty="0"/>
+              <a:t>For android application        </a:t>
+            </a:r>
+          </a:p>
+          <a:p>
+            <a:r>
+              <a:rPr lang="en-US" dirty="0"/>
+              <a:t>31/01/2023</a:t>
+            </a:r>
           </a:p>
         </p:txBody>
       </p:sp>
@@ -5959,6 +5995,416 @@
           <p:cNvPr id="2" name="Title 1">
             <a:extLst>
               <a:ext uri="{FF2B5EF4-FFF2-40B4-BE49-F238E27FC236}">
+                <a16:creationId xmlns:a16="http://schemas.microsoft.com/office/drawing/2014/main" id="{A76DA094-E956-E94D-D1ED-07E11E0C5030}"/>
+              </a:ext>
+            </a:extLst>
+          </p:cNvPr>
+          <p:cNvSpPr>
+            <a:spLocks noGrp="1"/>
+          </p:cNvSpPr>
+          <p:nvPr>
+            <p:ph type="title"/>
+          </p:nvPr>
+        </p:nvSpPr>
+        <p:spPr>
+          <a:xfrm>
+            <a:off x="677334" y="609600"/>
+            <a:ext cx="8596668" cy="1117600"/>
+          </a:xfrm>
+        </p:spPr>
+        <p:txBody>
+          <a:bodyPr/>
+          <a:lstStyle/>
+          <a:p>
+            <a:r>
+              <a:rPr lang="en-US" dirty="0"/>
+              <a:t>Installation </a:t>
+            </a:r>
+            <a:endParaRPr lang="en-IN" dirty="0"/>
+          </a:p>
+        </p:txBody>
+      </p:sp>
+      <p:sp>
+        <p:nvSpPr>
+          <p:cNvPr id="3" name="Content Placeholder 2">
+            <a:extLst>
+              <a:ext uri="{FF2B5EF4-FFF2-40B4-BE49-F238E27FC236}">
+                <a16:creationId xmlns:a16="http://schemas.microsoft.com/office/drawing/2014/main" id="{E81F2843-02D1-C9AF-9AFF-39F49DAAF8FC}"/>
+              </a:ext>
+            </a:extLst>
+          </p:cNvPr>
+          <p:cNvSpPr>
+            <a:spLocks noGrp="1"/>
+          </p:cNvSpPr>
+          <p:nvPr>
+            <p:ph idx="1"/>
+          </p:nvPr>
+        </p:nvSpPr>
+        <p:spPr>
+          <a:xfrm>
+            <a:off x="677334" y="1554481"/>
+            <a:ext cx="8596668" cy="4486882"/>
+          </a:xfrm>
+        </p:spPr>
+        <p:txBody>
+          <a:bodyPr/>
+          <a:lstStyle/>
+          <a:p>
+            <a:r>
+              <a:rPr lang="en-US" sz="2400" dirty="0"/>
+              <a:t>Download android studio</a:t>
+            </a:r>
+          </a:p>
+          <a:p>
+            <a:r>
+              <a:rPr lang="en-US" sz="2400" dirty="0"/>
+              <a:t>Install SDK in android studio</a:t>
+            </a:r>
+          </a:p>
+          <a:p>
+            <a:r>
+              <a:rPr lang="en-US" sz="2400" dirty="0"/>
+              <a:t>Download emulator in android studio</a:t>
+            </a:r>
+          </a:p>
+          <a:p>
+            <a:r>
+              <a:rPr lang="en-US" sz="2400" dirty="0"/>
+              <a:t>Down load Appium inspector</a:t>
+            </a:r>
+            <a:endParaRPr lang="en-IN" sz="2400" dirty="0"/>
+          </a:p>
+          <a:p>
+            <a:endParaRPr lang="en-IN" dirty="0"/>
+          </a:p>
+        </p:txBody>
+      </p:sp>
+    </p:spTree>
+    <p:extLst>
+      <p:ext uri="{BB962C8B-B14F-4D97-AF65-F5344CB8AC3E}">
+        <p14:creationId xmlns:p14="http://schemas.microsoft.com/office/powerpoint/2010/main" val="885239055"/>
+      </p:ext>
+    </p:extLst>
+  </p:cSld>
+  <p:clrMapOvr>
+    <a:masterClrMapping/>
+  </p:clrMapOvr>
+</p:sld>
+</file>
+
+<file path=ppt/slides/slide11.xml><?xml version="1.0" encoding="utf-8"?>
+<p:sld xmlns:a="http://schemas.openxmlformats.org/drawingml/2006/main" xmlns:r="http://schemas.openxmlformats.org/officeDocument/2006/relationships" xmlns:p="http://schemas.openxmlformats.org/presentationml/2006/main">
+  <p:cSld>
+    <p:spTree>
+      <p:nvGrpSpPr>
+        <p:cNvPr id="1" name=""/>
+        <p:cNvGrpSpPr/>
+        <p:nvPr/>
+      </p:nvGrpSpPr>
+      <p:grpSpPr>
+        <a:xfrm>
+          <a:off x="0" y="0"/>
+          <a:ext cx="0" cy="0"/>
+          <a:chOff x="0" y="0"/>
+          <a:chExt cx="0" cy="0"/>
+        </a:xfrm>
+      </p:grpSpPr>
+      <p:sp>
+        <p:nvSpPr>
+          <p:cNvPr id="2" name="Title 1">
+            <a:extLst>
+              <a:ext uri="{FF2B5EF4-FFF2-40B4-BE49-F238E27FC236}">
+                <a16:creationId xmlns:a16="http://schemas.microsoft.com/office/drawing/2014/main" id="{D35E1077-CB99-673E-F23C-8D9CA5714212}"/>
+              </a:ext>
+            </a:extLst>
+          </p:cNvPr>
+          <p:cNvSpPr>
+            <a:spLocks noGrp="1"/>
+          </p:cNvSpPr>
+          <p:nvPr>
+            <p:ph type="title"/>
+          </p:nvPr>
+        </p:nvSpPr>
+        <p:spPr>
+          <a:xfrm>
+            <a:off x="1525852" y="609600"/>
+            <a:ext cx="7748150" cy="1320800"/>
+          </a:xfrm>
+        </p:spPr>
+        <p:txBody>
+          <a:bodyPr/>
+          <a:lstStyle/>
+          <a:p>
+            <a:r>
+              <a:rPr lang="en-US" dirty="0"/>
+              <a:t>Implementation </a:t>
+            </a:r>
+            <a:endParaRPr lang="en-IN" dirty="0"/>
+          </a:p>
+        </p:txBody>
+      </p:sp>
+      <p:pic>
+        <p:nvPicPr>
+          <p:cNvPr id="11" name="Content Placeholder 10">
+            <a:extLst>
+              <a:ext uri="{FF2B5EF4-FFF2-40B4-BE49-F238E27FC236}">
+                <a16:creationId xmlns:a16="http://schemas.microsoft.com/office/drawing/2014/main" id="{0E0429B9-3F27-053A-EF4F-DABA7269AA6B}"/>
+              </a:ext>
+            </a:extLst>
+          </p:cNvPr>
+          <p:cNvPicPr>
+            <a:picLocks noGrp="1" noChangeAspect="1"/>
+          </p:cNvPicPr>
+          <p:nvPr>
+            <p:ph idx="1"/>
+          </p:nvPr>
+        </p:nvPicPr>
+        <p:blipFill>
+          <a:blip r:embed="rId2">
+            <a:extLst>
+              <a:ext uri="{28A0092B-C50C-407E-A947-70E740481C1C}">
+                <a14:useLocalDpi xmlns:a14="http://schemas.microsoft.com/office/drawing/2010/main" val="0"/>
+              </a:ext>
+            </a:extLst>
+          </a:blip>
+          <a:stretch>
+            <a:fillRect/>
+          </a:stretch>
+        </p:blipFill>
+        <p:spPr>
+          <a:xfrm>
+            <a:off x="641933" y="1677696"/>
+            <a:ext cx="9223428" cy="4347184"/>
+          </a:xfrm>
+        </p:spPr>
+      </p:pic>
+      <p:pic>
+        <p:nvPicPr>
+          <p:cNvPr id="13" name="Picture 12">
+            <a:extLst>
+              <a:ext uri="{FF2B5EF4-FFF2-40B4-BE49-F238E27FC236}">
+                <a16:creationId xmlns:a16="http://schemas.microsoft.com/office/drawing/2014/main" id="{6E8F388B-B581-81F6-2D3B-BFC5ED9AEDD4}"/>
+              </a:ext>
+            </a:extLst>
+          </p:cNvPr>
+          <p:cNvPicPr>
+            <a:picLocks noChangeAspect="1"/>
+          </p:cNvPicPr>
+          <p:nvPr/>
+        </p:nvPicPr>
+        <p:blipFill>
+          <a:blip r:embed="rId3"/>
+          <a:stretch>
+            <a:fillRect/>
+          </a:stretch>
+        </p:blipFill>
+        <p:spPr>
+          <a:xfrm>
+            <a:off x="7701280" y="2941320"/>
+            <a:ext cx="1371599" cy="2254224"/>
+          </a:xfrm>
+          <a:prstGeom prst="rect">
+            <a:avLst/>
+          </a:prstGeom>
+        </p:spPr>
+      </p:pic>
+    </p:spTree>
+    <p:extLst>
+      <p:ext uri="{BB962C8B-B14F-4D97-AF65-F5344CB8AC3E}">
+        <p14:creationId xmlns:p14="http://schemas.microsoft.com/office/powerpoint/2010/main" val="1520696095"/>
+      </p:ext>
+    </p:extLst>
+  </p:cSld>
+  <p:clrMapOvr>
+    <a:masterClrMapping/>
+  </p:clrMapOvr>
+</p:sld>
+</file>
+
+<file path=ppt/slides/slide12.xml><?xml version="1.0" encoding="utf-8"?>
+<p:sld xmlns:a="http://schemas.openxmlformats.org/drawingml/2006/main" xmlns:r="http://schemas.openxmlformats.org/officeDocument/2006/relationships" xmlns:p="http://schemas.openxmlformats.org/presentationml/2006/main">
+  <p:cSld>
+    <p:spTree>
+      <p:nvGrpSpPr>
+        <p:cNvPr id="1" name=""/>
+        <p:cNvGrpSpPr/>
+        <p:nvPr/>
+      </p:nvGrpSpPr>
+      <p:grpSpPr>
+        <a:xfrm>
+          <a:off x="0" y="0"/>
+          <a:ext cx="0" cy="0"/>
+          <a:chOff x="0" y="0"/>
+          <a:chExt cx="0" cy="0"/>
+        </a:xfrm>
+      </p:grpSpPr>
+      <p:pic>
+        <p:nvPicPr>
+          <p:cNvPr id="4" name="Picture 3">
+            <a:extLst>
+              <a:ext uri="{FF2B5EF4-FFF2-40B4-BE49-F238E27FC236}">
+                <a16:creationId xmlns:a16="http://schemas.microsoft.com/office/drawing/2014/main" id="{AA05064B-D5A7-3365-54F6-BB26E2ADA1AA}"/>
+              </a:ext>
+            </a:extLst>
+          </p:cNvPr>
+          <p:cNvPicPr>
+            <a:picLocks noChangeAspect="1"/>
+          </p:cNvPicPr>
+          <p:nvPr/>
+        </p:nvPicPr>
+        <p:blipFill>
+          <a:blip r:embed="rId2">
+            <a:extLst>
+              <a:ext uri="{28A0092B-C50C-407E-A947-70E740481C1C}">
+                <a14:useLocalDpi xmlns:a14="http://schemas.microsoft.com/office/drawing/2010/main" val="0"/>
+              </a:ext>
+            </a:extLst>
+          </a:blip>
+          <a:stretch>
+            <a:fillRect/>
+          </a:stretch>
+        </p:blipFill>
+        <p:spPr>
+          <a:xfrm>
+            <a:off x="1066800" y="755248"/>
+            <a:ext cx="8039100" cy="5218832"/>
+          </a:xfrm>
+          <a:prstGeom prst="rect">
+            <a:avLst/>
+          </a:prstGeom>
+        </p:spPr>
+      </p:pic>
+    </p:spTree>
+    <p:extLst>
+      <p:ext uri="{BB962C8B-B14F-4D97-AF65-F5344CB8AC3E}">
+        <p14:creationId xmlns:p14="http://schemas.microsoft.com/office/powerpoint/2010/main" val="1972912061"/>
+      </p:ext>
+    </p:extLst>
+  </p:cSld>
+  <p:clrMapOvr>
+    <a:masterClrMapping/>
+  </p:clrMapOvr>
+</p:sld>
+</file>
+
+<file path=ppt/slides/slide13.xml><?xml version="1.0" encoding="utf-8"?>
+<p:sld xmlns:a="http://schemas.openxmlformats.org/drawingml/2006/main" xmlns:r="http://schemas.openxmlformats.org/officeDocument/2006/relationships" xmlns:p="http://schemas.openxmlformats.org/presentationml/2006/main">
+  <p:cSld>
+    <p:spTree>
+      <p:nvGrpSpPr>
+        <p:cNvPr id="1" name=""/>
+        <p:cNvGrpSpPr/>
+        <p:nvPr/>
+      </p:nvGrpSpPr>
+      <p:grpSpPr>
+        <a:xfrm>
+          <a:off x="0" y="0"/>
+          <a:ext cx="0" cy="0"/>
+          <a:chOff x="0" y="0"/>
+          <a:chExt cx="0" cy="0"/>
+        </a:xfrm>
+      </p:grpSpPr>
+      <p:pic>
+        <p:nvPicPr>
+          <p:cNvPr id="4" name="Picture 3">
+            <a:extLst>
+              <a:ext uri="{FF2B5EF4-FFF2-40B4-BE49-F238E27FC236}">
+                <a16:creationId xmlns:a16="http://schemas.microsoft.com/office/drawing/2014/main" id="{CBFD9148-676B-9979-8285-C2F9439074AD}"/>
+              </a:ext>
+            </a:extLst>
+          </p:cNvPr>
+          <p:cNvPicPr>
+            <a:picLocks noChangeAspect="1"/>
+          </p:cNvPicPr>
+          <p:nvPr/>
+        </p:nvPicPr>
+        <p:blipFill>
+          <a:blip r:embed="rId2">
+            <a:extLst>
+              <a:ext uri="{28A0092B-C50C-407E-A947-70E740481C1C}">
+                <a14:useLocalDpi xmlns:a14="http://schemas.microsoft.com/office/drawing/2010/main" val="0"/>
+              </a:ext>
+            </a:extLst>
+          </a:blip>
+          <a:stretch>
+            <a:fillRect/>
+          </a:stretch>
+        </p:blipFill>
+        <p:spPr>
+          <a:xfrm>
+            <a:off x="213361" y="899273"/>
+            <a:ext cx="9204960" cy="4872876"/>
+          </a:xfrm>
+          <a:prstGeom prst="rect">
+            <a:avLst/>
+          </a:prstGeom>
+        </p:spPr>
+      </p:pic>
+      <p:pic>
+        <p:nvPicPr>
+          <p:cNvPr id="7" name="Picture 6">
+            <a:extLst>
+              <a:ext uri="{FF2B5EF4-FFF2-40B4-BE49-F238E27FC236}">
+                <a16:creationId xmlns:a16="http://schemas.microsoft.com/office/drawing/2014/main" id="{B91DC392-BE27-4EED-B7A8-F9459D9FD09D}"/>
+              </a:ext>
+            </a:extLst>
+          </p:cNvPr>
+          <p:cNvPicPr>
+            <a:picLocks noChangeAspect="1"/>
+          </p:cNvPicPr>
+          <p:nvPr/>
+        </p:nvPicPr>
+        <p:blipFill>
+          <a:blip r:embed="rId3"/>
+          <a:stretch>
+            <a:fillRect/>
+          </a:stretch>
+        </p:blipFill>
+        <p:spPr>
+          <a:xfrm>
+            <a:off x="7599680" y="1798320"/>
+            <a:ext cx="1737360" cy="3139440"/>
+          </a:xfrm>
+          <a:prstGeom prst="rect">
+            <a:avLst/>
+          </a:prstGeom>
+        </p:spPr>
+      </p:pic>
+    </p:spTree>
+    <p:extLst>
+      <p:ext uri="{BB962C8B-B14F-4D97-AF65-F5344CB8AC3E}">
+        <p14:creationId xmlns:p14="http://schemas.microsoft.com/office/powerpoint/2010/main" val="2650783984"/>
+      </p:ext>
+    </p:extLst>
+  </p:cSld>
+  <p:clrMapOvr>
+    <a:masterClrMapping/>
+  </p:clrMapOvr>
+</p:sld>
+</file>
+
+<file path=ppt/slides/slide14.xml><?xml version="1.0" encoding="utf-8"?>
+<p:sld xmlns:a="http://schemas.openxmlformats.org/drawingml/2006/main" xmlns:r="http://schemas.openxmlformats.org/officeDocument/2006/relationships" xmlns:p="http://schemas.openxmlformats.org/presentationml/2006/main">
+  <p:cSld>
+    <p:spTree>
+      <p:nvGrpSpPr>
+        <p:cNvPr id="1" name=""/>
+        <p:cNvGrpSpPr/>
+        <p:nvPr/>
+      </p:nvGrpSpPr>
+      <p:grpSpPr>
+        <a:xfrm>
+          <a:off x="0" y="0"/>
+          <a:ext cx="0" cy="0"/>
+          <a:chOff x="0" y="0"/>
+          <a:chExt cx="0" cy="0"/>
+        </a:xfrm>
+      </p:grpSpPr>
+      <p:sp>
+        <p:nvSpPr>
+          <p:cNvPr id="2" name="Title 1">
+            <a:extLst>
+              <a:ext uri="{FF2B5EF4-FFF2-40B4-BE49-F238E27FC236}">
                 <a16:creationId xmlns:a16="http://schemas.microsoft.com/office/drawing/2014/main" id="{0AF5D234-569B-527C-93AA-AF04E754C572}"/>
               </a:ext>
             </a:extLst>
@@ -5972,7 +6418,7 @@
         </p:nvSpPr>
         <p:spPr>
           <a:xfrm>
-            <a:off x="677334" y="609600"/>
+            <a:off x="677333" y="166303"/>
             <a:ext cx="8596668" cy="619760"/>
           </a:xfrm>
         </p:spPr>
@@ -5984,7 +6430,7 @@
           <a:p>
             <a:r>
               <a:rPr lang="en-US" dirty="0"/>
-              <a:t>Test cases</a:t>
+              <a:t>Test cases outcomes</a:t>
             </a:r>
             <a:endParaRPr lang="en-IN" dirty="0"/>
           </a:p>
@@ -6006,14 +6452,14 @@
             <p:ph idx="1"/>
             <p:extLst>
               <p:ext uri="{D42A27DB-BD31-4B8C-83A1-F6EECF244321}">
-                <p14:modId xmlns:p14="http://schemas.microsoft.com/office/powerpoint/2010/main" val="2031549829"/>
+                <p14:modId xmlns:p14="http://schemas.microsoft.com/office/powerpoint/2010/main" val="1216648144"/>
               </p:ext>
             </p:extLst>
           </p:nvPr>
         </p:nvGraphicFramePr>
         <p:xfrm>
-          <a:off x="677863" y="1422400"/>
-          <a:ext cx="8596312" cy="5698015"/>
+          <a:off x="677333" y="882850"/>
+          <a:ext cx="8216053" cy="5577840"/>
         </p:xfrm>
         <a:graphic>
           <a:graphicData uri="http://schemas.openxmlformats.org/drawingml/2006/table">
@@ -6022,14 +6468,14 @@
                 <a:tableStyleId>{5C22544A-7EE6-4342-B048-85BDC9FD1C3A}</a:tableStyleId>
               </a:tblPr>
               <a:tblGrid>
-                <a:gridCol w="6556057">
+                <a:gridCol w="6266049">
                   <a:extLst>
                     <a:ext uri="{9D8B030D-6E8A-4147-A177-3AD203B41FA5}">
                       <a16:colId xmlns:a16="http://schemas.microsoft.com/office/drawing/2014/main" val="2395404305"/>
                     </a:ext>
                   </a:extLst>
                 </a:gridCol>
-                <a:gridCol w="2040255">
+                <a:gridCol w="1950004">
                   <a:extLst>
                     <a:ext uri="{9D8B030D-6E8A-4147-A177-3AD203B41FA5}">
                       <a16:colId xmlns:a16="http://schemas.microsoft.com/office/drawing/2014/main" val="1430688392"/>
@@ -6037,7 +6483,7 @@
                   </a:extLst>
                 </a:gridCol>
               </a:tblGrid>
-              <a:tr h="444659">
+              <a:tr h="749947">
                 <a:tc>
                   <a:txBody>
                     <a:bodyPr/>
@@ -6072,7 +6518,7 @@
                   </a:ext>
                 </a:extLst>
               </a:tr>
-              <a:tr h="444659">
+              <a:tr h="524963">
                 <a:tc>
                   <a:txBody>
                     <a:bodyPr/>
@@ -6107,7 +6553,7 @@
                   </a:ext>
                 </a:extLst>
               </a:tr>
-              <a:tr h="444659">
+              <a:tr h="749947">
                 <a:tc>
                   <a:txBody>
                     <a:bodyPr/>
@@ -6164,7 +6610,7 @@
                   </a:ext>
                 </a:extLst>
               </a:tr>
-              <a:tr h="444659">
+              <a:tr h="299979">
                 <a:tc>
                   <a:txBody>
                     <a:bodyPr/>
@@ -6199,7 +6645,7 @@
                   </a:ext>
                 </a:extLst>
               </a:tr>
-              <a:tr h="444659">
+              <a:tr h="299979">
                 <a:tc>
                   <a:txBody>
                     <a:bodyPr/>
@@ -6234,7 +6680,7 @@
                   </a:ext>
                 </a:extLst>
               </a:tr>
-              <a:tr h="444659">
+              <a:tr h="299979">
                 <a:tc>
                   <a:txBody>
                     <a:bodyPr/>
@@ -6269,7 +6715,7 @@
                   </a:ext>
                 </a:extLst>
               </a:tr>
-              <a:tr h="444659">
+              <a:tr h="299979">
                 <a:tc>
                   <a:txBody>
                     <a:bodyPr/>
@@ -6304,7 +6750,7 @@
                   </a:ext>
                 </a:extLst>
               </a:tr>
-              <a:tr h="444659">
+              <a:tr h="299979">
                 <a:tc>
                   <a:txBody>
                     <a:bodyPr/>
@@ -6339,7 +6785,7 @@
                   </a:ext>
                 </a:extLst>
               </a:tr>
-              <a:tr h="255745">
+              <a:tr h="524963">
                 <a:tc>
                   <a:txBody>
                     <a:bodyPr/>
@@ -6374,7 +6820,7 @@
                   </a:ext>
                 </a:extLst>
               </a:tr>
-              <a:tr h="316705">
+              <a:tr h="524963">
                 <a:tc>
                   <a:txBody>
                     <a:bodyPr/>
@@ -6426,7 +6872,7 @@
 </p:sld>
 </file>
 
-<file path=ppt/slides/slide11.xml><?xml version="1.0" encoding="utf-8"?>
+<file path=ppt/slides/slide15.xml><?xml version="1.0" encoding="utf-8"?>
 <p:sld xmlns:a="http://schemas.openxmlformats.org/drawingml/2006/main" xmlns:r="http://schemas.openxmlformats.org/officeDocument/2006/relationships" xmlns:p="http://schemas.openxmlformats.org/presentationml/2006/main">
   <p:cSld>
     <p:spTree>
@@ -6448,7 +6894,7 @@
           <p:cNvPr id="2" name="Title 1">
             <a:extLst>
               <a:ext uri="{FF2B5EF4-FFF2-40B4-BE49-F238E27FC236}">
-                <a16:creationId xmlns:a16="http://schemas.microsoft.com/office/drawing/2014/main" id="{5319F6B8-0963-55EC-7ED9-4B3039FF1AEF}"/>
+                <a16:creationId xmlns:a16="http://schemas.microsoft.com/office/drawing/2014/main" id="{6AE3AABD-8952-CFA7-87E4-1D2A1A95E061}"/>
               </a:ext>
             </a:extLst>
           </p:cNvPr>
@@ -6461,8 +6907,8 @@
         </p:nvSpPr>
         <p:spPr>
           <a:xfrm>
-            <a:off x="677863" y="609600"/>
-            <a:ext cx="8596668" cy="670560"/>
+            <a:off x="677334" y="609600"/>
+            <a:ext cx="8596668" cy="776438"/>
           </a:xfrm>
         </p:spPr>
         <p:txBody>
@@ -6471,51 +6917,54 @@
           <a:p>
             <a:r>
               <a:rPr lang="en-US" dirty="0"/>
-              <a:t>Screen shots</a:t>
+              <a:t>conclusion</a:t>
             </a:r>
             <a:endParaRPr lang="en-IN" dirty="0"/>
           </a:p>
         </p:txBody>
       </p:sp>
-      <p:pic>
-        <p:nvPicPr>
-          <p:cNvPr id="5" name="Content Placeholder 4">
+      <p:sp>
+        <p:nvSpPr>
+          <p:cNvPr id="3" name="Content Placeholder 2">
             <a:extLst>
               <a:ext uri="{FF2B5EF4-FFF2-40B4-BE49-F238E27FC236}">
-                <a16:creationId xmlns:a16="http://schemas.microsoft.com/office/drawing/2014/main" id="{6729FE0E-68E7-3F43-1EB4-DF4BA9D5536C}"/>
+                <a16:creationId xmlns:a16="http://schemas.microsoft.com/office/drawing/2014/main" id="{4367644F-11A4-5334-9304-C0538FC25EC4}"/>
               </a:ext>
             </a:extLst>
           </p:cNvPr>
-          <p:cNvPicPr>
-            <a:picLocks noGrp="1" noChangeAspect="1"/>
-          </p:cNvPicPr>
+          <p:cNvSpPr>
+            <a:spLocks noGrp="1"/>
+          </p:cNvSpPr>
           <p:nvPr>
             <p:ph idx="1"/>
           </p:nvPr>
-        </p:nvPicPr>
-        <p:blipFill>
-          <a:blip r:embed="rId2">
-            <a:extLst>
-              <a:ext uri="{28A0092B-C50C-407E-A947-70E740481C1C}">
-                <a14:useLocalDpi xmlns:a14="http://schemas.microsoft.com/office/drawing/2010/main" val="0"/>
-              </a:ext>
-            </a:extLst>
-          </a:blip>
-          <a:stretch>
-            <a:fillRect/>
-          </a:stretch>
-        </p:blipFill>
+        </p:nvSpPr>
         <p:spPr>
           <a:xfrm>
-            <a:off x="677863" y="1597794"/>
-            <a:ext cx="8665750" cy="4093164"/>
+            <a:off x="677334" y="1453415"/>
+            <a:ext cx="8596668" cy="4587947"/>
           </a:xfrm>
         </p:spPr>
-      </p:pic>
+        <p:txBody>
+          <a:bodyPr>
+            <a:normAutofit/>
+          </a:bodyPr>
+          <a:lstStyle/>
+          <a:p>
+            <a:pPr marL="0" indent="0">
+              <a:buNone/>
+            </a:pPr>
+            <a:r>
+              <a:rPr lang="en-US" sz="2000" dirty="0"/>
+              <a:t>I have navigate the life insurance management web application and find out the positive/pass and negative/fail test cases. This is to improve the application performance in better manner</a:t>
+            </a:r>
+          </a:p>
+        </p:txBody>
+      </p:sp>
     </p:spTree>
     <p:extLst>
       <p:ext uri="{BB962C8B-B14F-4D97-AF65-F5344CB8AC3E}">
-        <p14:creationId xmlns:p14="http://schemas.microsoft.com/office/powerpoint/2010/main" val="72225530"/>
+        <p14:creationId xmlns:p14="http://schemas.microsoft.com/office/powerpoint/2010/main" val="3368725653"/>
       </p:ext>
     </p:extLst>
   </p:cSld>
@@ -6525,7 +6974,7 @@
 </p:sld>
 </file>
 
-<file path=ppt/slides/slide12.xml><?xml version="1.0" encoding="utf-8"?>
+<file path=ppt/slides/slide16.xml><?xml version="1.0" encoding="utf-8"?>
 <p:sld xmlns:a="http://schemas.openxmlformats.org/drawingml/2006/main" xmlns:r="http://schemas.openxmlformats.org/officeDocument/2006/relationships" xmlns:p="http://schemas.openxmlformats.org/presentationml/2006/main">
   <p:cSld>
     <p:spTree>
@@ -6542,294 +6991,72 @@
           <a:chExt cx="0" cy="0"/>
         </a:xfrm>
       </p:grpSpPr>
-      <p:pic>
-        <p:nvPicPr>
-          <p:cNvPr id="3" name="Picture 2">
+      <p:sp>
+        <p:nvSpPr>
+          <p:cNvPr id="2" name="Rectangle 1">
             <a:extLst>
               <a:ext uri="{FF2B5EF4-FFF2-40B4-BE49-F238E27FC236}">
-                <a16:creationId xmlns:a16="http://schemas.microsoft.com/office/drawing/2014/main" id="{FC399FB0-0999-5E2A-6620-725A7B495B69}"/>
+                <a16:creationId xmlns:a16="http://schemas.microsoft.com/office/drawing/2014/main" id="{111BAC8A-F31E-DEB2-C82E-ABD4B4106050}"/>
               </a:ext>
             </a:extLst>
           </p:cNvPr>
-          <p:cNvPicPr>
-            <a:picLocks noChangeAspect="1"/>
-          </p:cNvPicPr>
+          <p:cNvSpPr/>
           <p:nvPr/>
-        </p:nvPicPr>
-        <p:blipFill>
-          <a:blip r:embed="rId2">
-            <a:extLst>
-              <a:ext uri="{28A0092B-C50C-407E-A947-70E740481C1C}">
-                <a14:useLocalDpi xmlns:a14="http://schemas.microsoft.com/office/drawing/2010/main" val="0"/>
-              </a:ext>
-            </a:extLst>
-          </a:blip>
-          <a:stretch>
-            <a:fillRect/>
-          </a:stretch>
-        </p:blipFill>
+        </p:nvSpPr>
         <p:spPr>
           <a:xfrm>
-            <a:off x="0" y="540749"/>
-            <a:ext cx="6096001" cy="2888252"/>
+            <a:off x="3262964" y="2752826"/>
+            <a:ext cx="5245768" cy="1530417"/>
           </a:xfrm>
           <a:prstGeom prst="rect">
             <a:avLst/>
           </a:prstGeom>
+          <a:noFill/>
+          <a:ln>
+            <a:noFill/>
+          </a:ln>
         </p:spPr>
-      </p:pic>
-      <p:pic>
-        <p:nvPicPr>
-          <p:cNvPr id="5" name="Picture 4">
-            <a:extLst>
-              <a:ext uri="{FF2B5EF4-FFF2-40B4-BE49-F238E27FC236}">
-                <a16:creationId xmlns:a16="http://schemas.microsoft.com/office/drawing/2014/main" id="{0CF9E7DC-CDE9-E232-AE3B-64EA2DAFAC5C}"/>
-              </a:ext>
-            </a:extLst>
-          </p:cNvPr>
-          <p:cNvPicPr>
-            <a:picLocks noChangeAspect="1"/>
-          </p:cNvPicPr>
-          <p:nvPr/>
-        </p:nvPicPr>
-        <p:blipFill>
-          <a:blip r:embed="rId3">
-            <a:extLst>
-              <a:ext uri="{28A0092B-C50C-407E-A947-70E740481C1C}">
-                <a14:useLocalDpi xmlns:a14="http://schemas.microsoft.com/office/drawing/2010/main" val="0"/>
-              </a:ext>
-            </a:extLst>
-          </a:blip>
-          <a:stretch>
-            <a:fillRect/>
-          </a:stretch>
-        </p:blipFill>
-        <p:spPr>
-          <a:xfrm>
-            <a:off x="6095998" y="2853743"/>
-            <a:ext cx="6096001" cy="3806939"/>
-          </a:xfrm>
-          <a:prstGeom prst="rect">
-            <a:avLst/>
-          </a:prstGeom>
-        </p:spPr>
-      </p:pic>
+        <p:style>
+          <a:lnRef idx="2">
+            <a:schemeClr val="accent1">
+              <a:shade val="50000"/>
+            </a:schemeClr>
+          </a:lnRef>
+          <a:fillRef idx="1">
+            <a:schemeClr val="accent1"/>
+          </a:fillRef>
+          <a:effectRef idx="0">
+            <a:schemeClr val="accent1"/>
+          </a:effectRef>
+          <a:fontRef idx="minor">
+            <a:schemeClr val="lt1"/>
+          </a:fontRef>
+        </p:style>
+        <p:txBody>
+          <a:bodyPr rtlCol="0" anchor="ctr"/>
+          <a:lstStyle/>
+          <a:p>
+            <a:pPr algn="ctr"/>
+            <a:r>
+              <a:rPr lang="en-US" sz="4400" dirty="0">
+                <a:solidFill>
+                  <a:schemeClr val="tx1"/>
+                </a:solidFill>
+              </a:rPr>
+              <a:t>Thank you</a:t>
+            </a:r>
+            <a:endParaRPr lang="en-IN" sz="4400" dirty="0">
+              <a:solidFill>
+                <a:schemeClr val="tx1"/>
+              </a:solidFill>
+            </a:endParaRPr>
+          </a:p>
+        </p:txBody>
+      </p:sp>
     </p:spTree>
     <p:extLst>
       <p:ext uri="{BB962C8B-B14F-4D97-AF65-F5344CB8AC3E}">
-        <p14:creationId xmlns:p14="http://schemas.microsoft.com/office/powerpoint/2010/main" val="2650783984"/>
-      </p:ext>
-    </p:extLst>
-  </p:cSld>
-  <p:clrMapOvr>
-    <a:masterClrMapping/>
-  </p:clrMapOvr>
-</p:sld>
-</file>
-
-<file path=ppt/slides/slide13.xml><?xml version="1.0" encoding="utf-8"?>
-<p:sld xmlns:a="http://schemas.openxmlformats.org/drawingml/2006/main" xmlns:r="http://schemas.openxmlformats.org/officeDocument/2006/relationships" xmlns:p="http://schemas.openxmlformats.org/presentationml/2006/main">
-  <p:cSld>
-    <p:spTree>
-      <p:nvGrpSpPr>
-        <p:cNvPr id="1" name=""/>
-        <p:cNvGrpSpPr/>
-        <p:nvPr/>
-      </p:nvGrpSpPr>
-      <p:grpSpPr>
-        <a:xfrm>
-          <a:off x="0" y="0"/>
-          <a:ext cx="0" cy="0"/>
-          <a:chOff x="0" y="0"/>
-          <a:chExt cx="0" cy="0"/>
-        </a:xfrm>
-      </p:grpSpPr>
-      <p:pic>
-        <p:nvPicPr>
-          <p:cNvPr id="3" name="Picture 2">
-            <a:extLst>
-              <a:ext uri="{FF2B5EF4-FFF2-40B4-BE49-F238E27FC236}">
-                <a16:creationId xmlns:a16="http://schemas.microsoft.com/office/drawing/2014/main" id="{2438E774-811F-73EE-DFFA-C1C9EE6F48BE}"/>
-              </a:ext>
-            </a:extLst>
-          </p:cNvPr>
-          <p:cNvPicPr>
-            <a:picLocks noChangeAspect="1"/>
-          </p:cNvPicPr>
-          <p:nvPr/>
-        </p:nvPicPr>
-        <p:blipFill>
-          <a:blip r:embed="rId2">
-            <a:extLst>
-              <a:ext uri="{28A0092B-C50C-407E-A947-70E740481C1C}">
-                <a14:useLocalDpi xmlns:a14="http://schemas.microsoft.com/office/drawing/2010/main" val="0"/>
-              </a:ext>
-            </a:extLst>
-          </a:blip>
-          <a:stretch>
-            <a:fillRect/>
-          </a:stretch>
-        </p:blipFill>
-        <p:spPr>
-          <a:xfrm>
-            <a:off x="0" y="596766"/>
-            <a:ext cx="5938787" cy="2781457"/>
-          </a:xfrm>
-          <a:prstGeom prst="rect">
-            <a:avLst/>
-          </a:prstGeom>
-        </p:spPr>
-      </p:pic>
-      <p:pic>
-        <p:nvPicPr>
-          <p:cNvPr id="5" name="Picture 4">
-            <a:extLst>
-              <a:ext uri="{FF2B5EF4-FFF2-40B4-BE49-F238E27FC236}">
-                <a16:creationId xmlns:a16="http://schemas.microsoft.com/office/drawing/2014/main" id="{86022B9B-D36B-817C-8E9B-96D8F6CCF7F2}"/>
-              </a:ext>
-            </a:extLst>
-          </p:cNvPr>
-          <p:cNvPicPr>
-            <a:picLocks noChangeAspect="1"/>
-          </p:cNvPicPr>
-          <p:nvPr/>
-        </p:nvPicPr>
-        <p:blipFill>
-          <a:blip r:embed="rId3">
-            <a:extLst>
-              <a:ext uri="{28A0092B-C50C-407E-A947-70E740481C1C}">
-                <a14:useLocalDpi xmlns:a14="http://schemas.microsoft.com/office/drawing/2010/main" val="0"/>
-              </a:ext>
-            </a:extLst>
-          </a:blip>
-          <a:stretch>
-            <a:fillRect/>
-          </a:stretch>
-        </p:blipFill>
-        <p:spPr>
-          <a:xfrm>
-            <a:off x="4475747" y="3697892"/>
-            <a:ext cx="5524902" cy="2601308"/>
-          </a:xfrm>
-          <a:prstGeom prst="rect">
-            <a:avLst/>
-          </a:prstGeom>
-        </p:spPr>
-      </p:pic>
-    </p:spTree>
-    <p:extLst>
-      <p:ext uri="{BB962C8B-B14F-4D97-AF65-F5344CB8AC3E}">
-        <p14:creationId xmlns:p14="http://schemas.microsoft.com/office/powerpoint/2010/main" val="1972912061"/>
-      </p:ext>
-    </p:extLst>
-  </p:cSld>
-  <p:clrMapOvr>
-    <a:masterClrMapping/>
-  </p:clrMapOvr>
-</p:sld>
-</file>
-
-<file path=ppt/slides/slide14.xml><?xml version="1.0" encoding="utf-8"?>
-<p:sld xmlns:a="http://schemas.openxmlformats.org/drawingml/2006/main" xmlns:r="http://schemas.openxmlformats.org/officeDocument/2006/relationships" xmlns:p="http://schemas.openxmlformats.org/presentationml/2006/main">
-  <p:cSld>
-    <p:spTree>
-      <p:nvGrpSpPr>
-        <p:cNvPr id="1" name=""/>
-        <p:cNvGrpSpPr/>
-        <p:nvPr/>
-      </p:nvGrpSpPr>
-      <p:grpSpPr>
-        <a:xfrm>
-          <a:off x="0" y="0"/>
-          <a:ext cx="0" cy="0"/>
-          <a:chOff x="0" y="0"/>
-          <a:chExt cx="0" cy="0"/>
-        </a:xfrm>
-      </p:grpSpPr>
-      <p:sp>
-        <p:nvSpPr>
-          <p:cNvPr id="2" name="Title 1">
-            <a:extLst>
-              <a:ext uri="{FF2B5EF4-FFF2-40B4-BE49-F238E27FC236}">
-                <a16:creationId xmlns:a16="http://schemas.microsoft.com/office/drawing/2014/main" id="{6AE3AABD-8952-CFA7-87E4-1D2A1A95E061}"/>
-              </a:ext>
-            </a:extLst>
-          </p:cNvPr>
-          <p:cNvSpPr>
-            <a:spLocks noGrp="1"/>
-          </p:cNvSpPr>
-          <p:nvPr>
-            <p:ph type="title"/>
-          </p:nvPr>
-        </p:nvSpPr>
-        <p:spPr>
-          <a:xfrm>
-            <a:off x="677334" y="609600"/>
-            <a:ext cx="8596668" cy="776438"/>
-          </a:xfrm>
-        </p:spPr>
-        <p:txBody>
-          <a:bodyPr/>
-          <a:lstStyle/>
-          <a:p>
-            <a:r>
-              <a:rPr lang="en-US" dirty="0"/>
-              <a:t>conclusion</a:t>
-            </a:r>
-            <a:endParaRPr lang="en-IN" dirty="0"/>
-          </a:p>
-        </p:txBody>
-      </p:sp>
-      <p:sp>
-        <p:nvSpPr>
-          <p:cNvPr id="3" name="Content Placeholder 2">
-            <a:extLst>
-              <a:ext uri="{FF2B5EF4-FFF2-40B4-BE49-F238E27FC236}">
-                <a16:creationId xmlns:a16="http://schemas.microsoft.com/office/drawing/2014/main" id="{4367644F-11A4-5334-9304-C0538FC25EC4}"/>
-              </a:ext>
-            </a:extLst>
-          </p:cNvPr>
-          <p:cNvSpPr>
-            <a:spLocks noGrp="1"/>
-          </p:cNvSpPr>
-          <p:nvPr>
-            <p:ph idx="1"/>
-          </p:nvPr>
-        </p:nvSpPr>
-        <p:spPr>
-          <a:xfrm>
-            <a:off x="677334" y="1453415"/>
-            <a:ext cx="8596668" cy="4587947"/>
-          </a:xfrm>
-        </p:spPr>
-        <p:txBody>
-          <a:bodyPr>
-            <a:normAutofit/>
-          </a:bodyPr>
-          <a:lstStyle/>
-          <a:p>
-            <a:pPr marL="0" indent="0">
-              <a:buNone/>
-            </a:pPr>
-            <a:r>
-              <a:rPr lang="en-US" sz="2000" dirty="0"/>
-              <a:t>I have navigate the life insurance management web application and find out the positive/pass and negative/fail test </a:t>
-            </a:r>
-            <a:r>
-              <a:rPr lang="en-US" sz="2000" dirty="0" err="1"/>
-              <a:t>caese.This</a:t>
-            </a:r>
-            <a:r>
-              <a:rPr lang="en-US" sz="2000" dirty="0"/>
-              <a:t> is to improve the application performance in better manner</a:t>
-            </a:r>
-          </a:p>
-        </p:txBody>
-      </p:sp>
-    </p:spTree>
-    <p:extLst>
-      <p:ext uri="{BB962C8B-B14F-4D97-AF65-F5344CB8AC3E}">
-        <p14:creationId xmlns:p14="http://schemas.microsoft.com/office/powerpoint/2010/main" val="3368725653"/>
+        <p14:creationId xmlns:p14="http://schemas.microsoft.com/office/powerpoint/2010/main" val="1785937214"/>
       </p:ext>
     </p:extLst>
   </p:cSld>
@@ -6861,7 +7088,7 @@
           <p:cNvPr id="2" name="Title 1">
             <a:extLst>
               <a:ext uri="{FF2B5EF4-FFF2-40B4-BE49-F238E27FC236}">
-                <a16:creationId xmlns:a16="http://schemas.microsoft.com/office/drawing/2014/main" id="{261112E6-7D4E-A2C0-D31C-2FA95B3CE133}"/>
+                <a16:creationId xmlns:a16="http://schemas.microsoft.com/office/drawing/2014/main" id="{52C213A9-B804-941F-2666-C85DA1FFC10F}"/>
               </a:ext>
             </a:extLst>
           </p:cNvPr>
@@ -6880,19 +7107,19 @@
           <a:lstStyle/>
           <a:p>
             <a:r>
-              <a:rPr lang="en-US" sz="5400" dirty="0"/>
-              <a:t>Abstract</a:t>
-            </a:r>
-            <a:endParaRPr lang="en-IN" sz="5400" dirty="0"/>
-          </a:p>
-        </p:txBody>
-      </p:sp>
-      <p:sp>
-        <p:nvSpPr>
-          <p:cNvPr id="7" name="Content Placeholder 6">
+              <a:rPr lang="en-US" sz="4000" dirty="0"/>
+              <a:t>Objective</a:t>
+            </a:r>
+            <a:endParaRPr lang="en-IN" sz="4000" dirty="0"/>
+          </a:p>
+        </p:txBody>
+      </p:sp>
+      <p:sp>
+        <p:nvSpPr>
+          <p:cNvPr id="3" name="Content Placeholder 2">
             <a:extLst>
               <a:ext uri="{FF2B5EF4-FFF2-40B4-BE49-F238E27FC236}">
-                <a16:creationId xmlns:a16="http://schemas.microsoft.com/office/drawing/2014/main" id="{1A1A1AE8-FF97-C876-DB1C-D3FA622F1DB5}"/>
+                <a16:creationId xmlns:a16="http://schemas.microsoft.com/office/drawing/2014/main" id="{9AF4B75A-5580-C0E2-4882-8F9F2D62E000}"/>
               </a:ext>
             </a:extLst>
           </p:cNvPr>
@@ -6905,198 +7132,32 @@
         </p:nvSpPr>
         <p:spPr>
           <a:xfrm>
-            <a:off x="677334" y="1544321"/>
-            <a:ext cx="8596668" cy="4497042"/>
+            <a:off x="677334" y="1694047"/>
+            <a:ext cx="8596668" cy="4347316"/>
           </a:xfrm>
         </p:spPr>
         <p:txBody>
-          <a:bodyPr>
-            <a:normAutofit fontScale="25000" lnSpcReduction="20000"/>
-          </a:bodyPr>
-          <a:lstStyle/>
-          <a:p>
-            <a:pPr>
-              <a:lnSpc>
-                <a:spcPct val="120000"/>
-              </a:lnSpc>
+          <a:bodyPr/>
+          <a:lstStyle/>
+          <a:p>
+            <a:pPr marL="0" indent="0">
+              <a:buNone/>
             </a:pPr>
             <a:r>
-              <a:rPr lang="en-US" sz="8000" b="0" i="0" dirty="0">
-                <a:solidFill>
-                  <a:srgbClr val="3F3F3F"/>
-                </a:solidFill>
-                <a:effectLst/>
-                <a:latin typeface="roboto" panose="02000000000000000000" pitchFamily="2" charset="0"/>
-              </a:rPr>
-              <a:t>This </a:t>
-            </a:r>
-            <a:r>
-              <a:rPr lang="en-US" sz="8000" b="1" i="0" dirty="0">
-                <a:solidFill>
-                  <a:srgbClr val="3F3F3F"/>
-                </a:solidFill>
-                <a:effectLst/>
-                <a:latin typeface="roboto" panose="02000000000000000000" pitchFamily="2" charset="0"/>
-              </a:rPr>
-              <a:t>Life Insurance Management System</a:t>
-            </a:r>
-            <a:r>
-              <a:rPr lang="en-US" sz="8000" b="0" i="0" dirty="0">
-                <a:solidFill>
-                  <a:srgbClr val="3F3F3F"/>
-                </a:solidFill>
-                <a:effectLst/>
-                <a:latin typeface="roboto" panose="02000000000000000000" pitchFamily="2" charset="0"/>
-              </a:rPr>
-              <a:t> is very helpful for any kind of insurance company which in need of managing different type of insurance</a:t>
-            </a:r>
-            <a:endParaRPr lang="en-US" sz="8000" dirty="0">
-              <a:solidFill>
-                <a:srgbClr val="000000"/>
-              </a:solidFill>
-              <a:latin typeface="ff2"/>
-            </a:endParaRPr>
-          </a:p>
-          <a:p>
-            <a:pPr algn="just">
-              <a:lnSpc>
-                <a:spcPct val="120000"/>
-              </a:lnSpc>
-            </a:pPr>
-            <a:r>
-              <a:rPr lang="en-US" sz="8000" b="0" i="0" dirty="0">
-                <a:solidFill>
-                  <a:srgbClr val="000000"/>
-                </a:solidFill>
-                <a:effectLst/>
-                <a:latin typeface="trebuchet ms" panose="020B0603020202020204" pitchFamily="34" charset="0"/>
-              </a:rPr>
-              <a:t>To automate the life insurance application which is designed keeping in mind to make it one of the best automation system for keeping all the tracks of the details of their customers </a:t>
-            </a:r>
-          </a:p>
-          <a:p>
-            <a:pPr algn="just">
-              <a:lnSpc>
-                <a:spcPct val="120000"/>
-              </a:lnSpc>
-            </a:pPr>
-            <a:r>
-              <a:rPr lang="en-US" sz="8000" dirty="0">
-                <a:solidFill>
-                  <a:srgbClr val="000000"/>
-                </a:solidFill>
-                <a:latin typeface="trebuchet ms" panose="020B0603020202020204" pitchFamily="34" charset="0"/>
-              </a:rPr>
-              <a:t>Testing process which include in this automation are :</a:t>
-            </a:r>
-          </a:p>
-          <a:p>
-            <a:pPr marL="0" indent="0" algn="just">
-              <a:lnSpc>
-                <a:spcPct val="120000"/>
-              </a:lnSpc>
-              <a:buNone/>
-            </a:pPr>
-            <a:r>
-              <a:rPr lang="en-US" sz="8000" b="0" i="0" dirty="0">
-                <a:solidFill>
-                  <a:srgbClr val="000000"/>
-                </a:solidFill>
-                <a:effectLst/>
-                <a:latin typeface="trebuchet ms" panose="020B0603020202020204" pitchFamily="34" charset="0"/>
-              </a:rPr>
-              <a:t>                             functionality checking</a:t>
-            </a:r>
-          </a:p>
-          <a:p>
-            <a:pPr marL="0" indent="0" algn="just">
-              <a:lnSpc>
-                <a:spcPct val="120000"/>
-              </a:lnSpc>
-              <a:buNone/>
-            </a:pPr>
-            <a:r>
-              <a:rPr lang="en-US" sz="8000" dirty="0">
-                <a:solidFill>
-                  <a:srgbClr val="000000"/>
-                </a:solidFill>
-                <a:latin typeface="trebuchet ms" panose="020B0603020202020204" pitchFamily="34" charset="0"/>
-              </a:rPr>
-              <a:t>                              test scenarios</a:t>
-            </a:r>
-            <a:endParaRPr lang="en-US" sz="8000" b="0" i="0" dirty="0">
-              <a:solidFill>
-                <a:srgbClr val="000000"/>
-              </a:solidFill>
-              <a:effectLst/>
-              <a:latin typeface="trebuchet ms" panose="020B0603020202020204" pitchFamily="34" charset="0"/>
-            </a:endParaRPr>
-          </a:p>
-          <a:p>
-            <a:pPr algn="just">
-              <a:lnSpc>
-                <a:spcPct val="120000"/>
-              </a:lnSpc>
-            </a:pPr>
-            <a:r>
-              <a:rPr lang="en-US" sz="8000" dirty="0">
-                <a:solidFill>
-                  <a:srgbClr val="000000"/>
-                </a:solidFill>
-                <a:latin typeface="trebuchet ms" panose="020B0603020202020204" pitchFamily="34" charset="0"/>
-              </a:rPr>
-              <a:t>IT</a:t>
-            </a:r>
-            <a:r>
-              <a:rPr lang="en-US" sz="8000" b="0" i="0" dirty="0">
-                <a:solidFill>
-                  <a:srgbClr val="000000"/>
-                </a:solidFill>
-                <a:effectLst/>
-                <a:latin typeface="trebuchet ms" panose="020B0603020202020204" pitchFamily="34" charset="0"/>
-              </a:rPr>
-              <a:t> for providing best services to them so that they can generate best revenues for themselves by putting up insurance which is best suited to them.</a:t>
-            </a:r>
-            <a:endParaRPr lang="en-US" sz="8000" b="0" i="0" dirty="0">
-              <a:solidFill>
-                <a:srgbClr val="333333"/>
-              </a:solidFill>
-              <a:effectLst/>
-              <a:latin typeface="source sans pro" panose="020B0503030403020204" pitchFamily="34" charset="0"/>
-            </a:endParaRPr>
-          </a:p>
-          <a:p>
-            <a:pPr marL="0" indent="0">
-              <a:lnSpc>
-                <a:spcPct val="120000"/>
-              </a:lnSpc>
-              <a:buNone/>
-            </a:pPr>
-            <a:br>
-              <a:rPr lang="en-US" sz="6200" b="0" i="0" dirty="0">
-                <a:solidFill>
-                  <a:srgbClr val="333333"/>
-                </a:solidFill>
-                <a:effectLst/>
-                <a:latin typeface="source sans pro" panose="020B0503030403020204" pitchFamily="34" charset="0"/>
-              </a:rPr>
-            </a:br>
-            <a:endParaRPr lang="en-US" sz="6200" dirty="0">
-              <a:solidFill>
-                <a:srgbClr val="000000"/>
-              </a:solidFill>
-              <a:latin typeface="ff2"/>
-            </a:endParaRPr>
-          </a:p>
-          <a:p>
-            <a:endParaRPr lang="en-IN" sz="2000" dirty="0"/>
+              <a:rPr lang="en-US" sz="2400" dirty="0"/>
+              <a:t>Life insurance management system application testing helps in accessing the features so that it works  effectively.</a:t>
+            </a:r>
+            <a:endParaRPr lang="en-IN" sz="2400" dirty="0"/>
+          </a:p>
+          <a:p>
+            <a:endParaRPr lang="en-IN" dirty="0"/>
           </a:p>
         </p:txBody>
       </p:sp>
     </p:spTree>
     <p:extLst>
       <p:ext uri="{BB962C8B-B14F-4D97-AF65-F5344CB8AC3E}">
-        <p14:creationId xmlns:p14="http://schemas.microsoft.com/office/powerpoint/2010/main" val="2739417793"/>
+        <p14:creationId xmlns:p14="http://schemas.microsoft.com/office/powerpoint/2010/main" val="1903062768"/>
       </p:ext>
     </p:extLst>
   </p:cSld>
@@ -7128,7 +7189,7 @@
           <p:cNvPr id="2" name="Title 1">
             <a:extLst>
               <a:ext uri="{FF2B5EF4-FFF2-40B4-BE49-F238E27FC236}">
-                <a16:creationId xmlns:a16="http://schemas.microsoft.com/office/drawing/2014/main" id="{52C213A9-B804-941F-2666-C85DA1FFC10F}"/>
+                <a16:creationId xmlns:a16="http://schemas.microsoft.com/office/drawing/2014/main" id="{261112E6-7D4E-A2C0-D31C-2FA95B3CE133}"/>
               </a:ext>
             </a:extLst>
           </p:cNvPr>
@@ -7147,19 +7208,19 @@
           <a:lstStyle/>
           <a:p>
             <a:r>
-              <a:rPr lang="en-US" sz="4000" dirty="0"/>
-              <a:t>Objective</a:t>
-            </a:r>
-            <a:endParaRPr lang="en-IN" sz="4000" dirty="0"/>
-          </a:p>
-        </p:txBody>
-      </p:sp>
-      <p:sp>
-        <p:nvSpPr>
-          <p:cNvPr id="3" name="Content Placeholder 2">
+              <a:rPr lang="en-US" sz="5400" dirty="0"/>
+              <a:t>Abstract</a:t>
+            </a:r>
+            <a:endParaRPr lang="en-IN" sz="5400" dirty="0"/>
+          </a:p>
+        </p:txBody>
+      </p:sp>
+      <p:sp>
+        <p:nvSpPr>
+          <p:cNvPr id="7" name="Content Placeholder 6">
             <a:extLst>
               <a:ext uri="{FF2B5EF4-FFF2-40B4-BE49-F238E27FC236}">
-                <a16:creationId xmlns:a16="http://schemas.microsoft.com/office/drawing/2014/main" id="{9AF4B75A-5580-C0E2-4882-8F9F2D62E000}"/>
+                <a16:creationId xmlns:a16="http://schemas.microsoft.com/office/drawing/2014/main" id="{1A1A1AE8-FF97-C876-DB1C-D3FA622F1DB5}"/>
               </a:ext>
             </a:extLst>
           </p:cNvPr>
@@ -7170,47 +7231,200 @@
             <p:ph idx="1"/>
           </p:nvPr>
         </p:nvSpPr>
-        <p:spPr/>
-        <p:txBody>
-          <a:bodyPr/>
-          <a:lstStyle/>
+        <p:spPr>
+          <a:xfrm>
+            <a:off x="677334" y="1544321"/>
+            <a:ext cx="8596668" cy="4497042"/>
+          </a:xfrm>
+        </p:spPr>
+        <p:txBody>
+          <a:bodyPr>
+            <a:normAutofit fontScale="25000" lnSpcReduction="20000"/>
+          </a:bodyPr>
+          <a:lstStyle/>
+          <a:p>
+            <a:pPr>
+              <a:lnSpc>
+                <a:spcPct val="120000"/>
+              </a:lnSpc>
+            </a:pPr>
+            <a:r>
+              <a:rPr lang="en-US" sz="8000" b="0" i="0" dirty="0">
+                <a:solidFill>
+                  <a:srgbClr val="3F3F3F"/>
+                </a:solidFill>
+                <a:effectLst/>
+                <a:latin typeface="roboto" panose="02000000000000000000" pitchFamily="2" charset="0"/>
+              </a:rPr>
+              <a:t>This </a:t>
+            </a:r>
+            <a:r>
+              <a:rPr lang="en-US" sz="8000" b="1" i="0" dirty="0">
+                <a:solidFill>
+                  <a:srgbClr val="3F3F3F"/>
+                </a:solidFill>
+                <a:effectLst/>
+                <a:latin typeface="roboto" panose="02000000000000000000" pitchFamily="2" charset="0"/>
+              </a:rPr>
+              <a:t>Life Insurance Management System</a:t>
+            </a:r>
+            <a:r>
+              <a:rPr lang="en-US" sz="8000" b="0" i="0" dirty="0">
+                <a:solidFill>
+                  <a:srgbClr val="3F3F3F"/>
+                </a:solidFill>
+                <a:effectLst/>
+                <a:latin typeface="roboto" panose="02000000000000000000" pitchFamily="2" charset="0"/>
+              </a:rPr>
+              <a:t> is very helpful for any kind of insurance company which in need of managing different type of insurance</a:t>
+            </a:r>
+            <a:endParaRPr lang="en-US" sz="8000" dirty="0">
+              <a:solidFill>
+                <a:srgbClr val="000000"/>
+              </a:solidFill>
+              <a:latin typeface="ff2"/>
+            </a:endParaRPr>
+          </a:p>
+          <a:p>
+            <a:pPr algn="just">
+              <a:lnSpc>
+                <a:spcPct val="120000"/>
+              </a:lnSpc>
+            </a:pPr>
+            <a:r>
+              <a:rPr lang="en-US" sz="8000" b="0" i="0" dirty="0">
+                <a:solidFill>
+                  <a:srgbClr val="000000"/>
+                </a:solidFill>
+                <a:effectLst/>
+                <a:latin typeface="trebuchet ms" panose="020B0603020202020204" pitchFamily="34" charset="0"/>
+              </a:rPr>
+              <a:t>To automate the life insurance application which is designed keeping in mind to make it one of the best automation system for keeping all the tracks of the details of their customers </a:t>
+            </a:r>
+          </a:p>
+          <a:p>
+            <a:pPr algn="just">
+              <a:lnSpc>
+                <a:spcPct val="120000"/>
+              </a:lnSpc>
+            </a:pPr>
+            <a:r>
+              <a:rPr lang="en-US" sz="8000" dirty="0">
+                <a:solidFill>
+                  <a:srgbClr val="000000"/>
+                </a:solidFill>
+                <a:latin typeface="trebuchet ms" panose="020B0603020202020204" pitchFamily="34" charset="0"/>
+              </a:rPr>
+              <a:t>Testing process which include in this automation are :</a:t>
+            </a:r>
+          </a:p>
+          <a:p>
+            <a:pPr marL="0" indent="0" algn="just">
+              <a:lnSpc>
+                <a:spcPct val="120000"/>
+              </a:lnSpc>
+              <a:buNone/>
+            </a:pPr>
+            <a:r>
+              <a:rPr lang="en-US" sz="8000" b="0" i="0" dirty="0">
+                <a:solidFill>
+                  <a:srgbClr val="000000"/>
+                </a:solidFill>
+                <a:effectLst/>
+                <a:latin typeface="trebuchet ms" panose="020B0603020202020204" pitchFamily="34" charset="0"/>
+              </a:rPr>
+              <a:t>                             functionality checking</a:t>
+            </a:r>
+          </a:p>
+          <a:p>
+            <a:pPr marL="0" indent="0" algn="just">
+              <a:lnSpc>
+                <a:spcPct val="120000"/>
+              </a:lnSpc>
+              <a:buNone/>
+            </a:pPr>
+            <a:r>
+              <a:rPr lang="en-US" sz="8000" dirty="0">
+                <a:solidFill>
+                  <a:srgbClr val="000000"/>
+                </a:solidFill>
+                <a:latin typeface="trebuchet ms" panose="020B0603020202020204" pitchFamily="34" charset="0"/>
+              </a:rPr>
+              <a:t>                              test scenarios</a:t>
+            </a:r>
+            <a:endParaRPr lang="en-US" sz="8000" b="0" i="0" dirty="0">
+              <a:solidFill>
+                <a:srgbClr val="000000"/>
+              </a:solidFill>
+              <a:effectLst/>
+              <a:latin typeface="trebuchet ms" panose="020B0603020202020204" pitchFamily="34" charset="0"/>
+            </a:endParaRPr>
+          </a:p>
+          <a:p>
+            <a:pPr algn="just">
+              <a:lnSpc>
+                <a:spcPct val="120000"/>
+              </a:lnSpc>
+            </a:pPr>
+            <a:r>
+              <a:rPr lang="en-US" sz="8000" dirty="0">
+                <a:solidFill>
+                  <a:srgbClr val="000000"/>
+                </a:solidFill>
+                <a:latin typeface="trebuchet ms" panose="020B0603020202020204" pitchFamily="34" charset="0"/>
+              </a:rPr>
+              <a:t>IT</a:t>
+            </a:r>
+            <a:r>
+              <a:rPr lang="en-US" sz="8000" b="0" i="0" dirty="0">
+                <a:solidFill>
+                  <a:srgbClr val="000000"/>
+                </a:solidFill>
+                <a:effectLst/>
+                <a:latin typeface="trebuchet ms" panose="020B0603020202020204" pitchFamily="34" charset="0"/>
+              </a:rPr>
+              <a:t> for providing best services to them so that they can generate best revenues for themselves by putting up insurance which is best suited to them.</a:t>
+            </a:r>
+            <a:endParaRPr lang="en-US" sz="8000" b="0" i="0" dirty="0">
+              <a:solidFill>
+                <a:srgbClr val="333333"/>
+              </a:solidFill>
+              <a:effectLst/>
+              <a:latin typeface="source sans pro" panose="020B0503030403020204" pitchFamily="34" charset="0"/>
+            </a:endParaRPr>
+          </a:p>
           <a:p>
             <a:pPr marL="0" indent="0">
+              <a:lnSpc>
+                <a:spcPct val="120000"/>
+              </a:lnSpc>
               <a:buNone/>
             </a:pPr>
-            <a:r>
-              <a:rPr lang="en-US" sz="2400" dirty="0"/>
-              <a:t>To automate life insurance management system-</a:t>
-            </a:r>
-          </a:p>
-          <a:p>
-            <a:pPr marL="0" indent="0">
-              <a:buNone/>
-            </a:pPr>
-            <a:r>
-              <a:rPr lang="en-US" sz="2400" dirty="0"/>
-              <a:t>                         -using testcases</a:t>
-            </a:r>
-          </a:p>
-          <a:p>
-            <a:pPr marL="0" indent="0">
-              <a:buNone/>
-            </a:pPr>
-            <a:r>
-              <a:rPr lang="en-US" sz="2400" dirty="0"/>
-              <a:t>                         -based on input and output</a:t>
-            </a:r>
-            <a:endParaRPr lang="en-IN" sz="2400" dirty="0"/>
-          </a:p>
-          <a:p>
-            <a:endParaRPr lang="en-IN" dirty="0"/>
+            <a:br>
+              <a:rPr lang="en-US" sz="6200" b="0" i="0" dirty="0">
+                <a:solidFill>
+                  <a:srgbClr val="333333"/>
+                </a:solidFill>
+                <a:effectLst/>
+                <a:latin typeface="source sans pro" panose="020B0503030403020204" pitchFamily="34" charset="0"/>
+              </a:rPr>
+            </a:br>
+            <a:endParaRPr lang="en-US" sz="6200" dirty="0">
+              <a:solidFill>
+                <a:srgbClr val="000000"/>
+              </a:solidFill>
+              <a:latin typeface="ff2"/>
+            </a:endParaRPr>
+          </a:p>
+          <a:p>
+            <a:endParaRPr lang="en-IN" sz="2000" dirty="0"/>
           </a:p>
         </p:txBody>
       </p:sp>
     </p:spTree>
     <p:extLst>
       <p:ext uri="{BB962C8B-B14F-4D97-AF65-F5344CB8AC3E}">
-        <p14:creationId xmlns:p14="http://schemas.microsoft.com/office/powerpoint/2010/main" val="1903062768"/>
+        <p14:creationId xmlns:p14="http://schemas.microsoft.com/office/powerpoint/2010/main" val="2739417793"/>
       </p:ext>
     </p:extLst>
   </p:cSld>
@@ -7289,11 +7503,13 @@
           </a:xfrm>
         </p:spPr>
         <p:txBody>
-          <a:bodyPr/>
-          <a:lstStyle/>
-          <a:p>
-            <a:r>
-              <a:rPr lang="en-US" dirty="0"/>
+          <a:bodyPr>
+            <a:normAutofit lnSpcReduction="10000"/>
+          </a:bodyPr>
+          <a:lstStyle/>
+          <a:p>
+            <a:r>
+              <a:rPr lang="en-US" sz="2000" dirty="0"/>
               <a:t>Installation of the software to automate the life insurance management-</a:t>
             </a:r>
           </a:p>
@@ -7302,16 +7518,8 @@
               <a:buNone/>
             </a:pPr>
             <a:r>
-              <a:rPr lang="en-US" dirty="0"/>
-              <a:t>                      -android </a:t>
-            </a:r>
-            <a:r>
-              <a:rPr lang="en-US" dirty="0" err="1"/>
-              <a:t>studion</a:t>
-            </a:r>
-            <a:r>
-              <a:rPr lang="en-US" dirty="0"/>
-              <a:t>-visualization</a:t>
+              <a:rPr lang="en-US" sz="2000" dirty="0"/>
+              <a:t>                      -android studio-visualization</a:t>
             </a:r>
           </a:p>
           <a:p>
@@ -7319,7 +7527,7 @@
               <a:buNone/>
             </a:pPr>
             <a:r>
-              <a:rPr lang="en-US" dirty="0"/>
+              <a:rPr lang="en-US" sz="2000" dirty="0"/>
               <a:t>                      -visual studio cade-to write code</a:t>
             </a:r>
           </a:p>
@@ -7328,54 +7536,48 @@
               <a:buNone/>
             </a:pPr>
             <a:r>
-              <a:rPr lang="en-US" dirty="0"/>
+              <a:rPr lang="en-US" sz="2000" dirty="0"/>
               <a:t>                      - Appium- To automate the application</a:t>
             </a:r>
           </a:p>
           <a:p>
             <a:r>
-              <a:rPr lang="en-IN" dirty="0"/>
+              <a:rPr lang="en-IN" sz="2000" dirty="0"/>
               <a:t>First login to the life insurance website or the application</a:t>
             </a:r>
           </a:p>
           <a:p>
             <a:r>
-              <a:rPr lang="en-IN" dirty="0"/>
+              <a:rPr lang="en-IN" sz="2000" dirty="0"/>
               <a:t>Sign up with your email or the phone number </a:t>
             </a:r>
           </a:p>
           <a:p>
             <a:r>
-              <a:rPr lang="en-IN" dirty="0"/>
+              <a:rPr lang="en-IN" sz="2000" dirty="0"/>
               <a:t>Create your username and password </a:t>
             </a:r>
           </a:p>
           <a:p>
             <a:r>
-              <a:rPr lang="en-IN" dirty="0"/>
+              <a:rPr lang="en-IN" sz="2000" dirty="0"/>
               <a:t>Then search for options</a:t>
             </a:r>
           </a:p>
           <a:p>
             <a:r>
-              <a:rPr lang="en-IN" dirty="0"/>
-              <a:t>Enter the code</a:t>
-            </a:r>
-          </a:p>
-          <a:p>
-            <a:r>
-              <a:rPr lang="en-IN" dirty="0"/>
-              <a:t>Then search for your available jobs</a:t>
+              <a:rPr lang="en-IN" sz="2000" dirty="0"/>
+              <a:t>Get the information</a:t>
             </a:r>
           </a:p>
           <a:p>
             <a:pPr marL="0" indent="0">
               <a:buNone/>
             </a:pPr>
-            <a:endParaRPr lang="en-IN" dirty="0"/>
-          </a:p>
-          <a:p>
-            <a:endParaRPr lang="en-US" dirty="0"/>
+            <a:endParaRPr lang="en-IN" sz="2000" dirty="0"/>
+          </a:p>
+          <a:p>
+            <a:endParaRPr lang="en-US" sz="2000" dirty="0"/>
           </a:p>
           <a:p>
             <a:pPr marL="0" indent="0">
@@ -7431,9 +7633,16 @@
             <p:ph type="title"/>
           </p:nvPr>
         </p:nvSpPr>
-        <p:spPr/>
-        <p:txBody>
-          <a:bodyPr/>
+        <p:spPr>
+          <a:xfrm>
+            <a:off x="176821" y="211755"/>
+            <a:ext cx="8596668" cy="721896"/>
+          </a:xfrm>
+        </p:spPr>
+        <p:txBody>
+          <a:bodyPr>
+            <a:normAutofit/>
+          </a:bodyPr>
           <a:lstStyle/>
           <a:p>
             <a:r>
@@ -7446,10 +7655,10 @@
       </p:sp>
       <p:pic>
         <p:nvPicPr>
-          <p:cNvPr id="9" name="Content Placeholder 8">
+          <p:cNvPr id="6" name="Content Placeholder 5">
             <a:extLst>
               <a:ext uri="{FF2B5EF4-FFF2-40B4-BE49-F238E27FC236}">
-                <a16:creationId xmlns:a16="http://schemas.microsoft.com/office/drawing/2014/main" id="{2B1FCE5E-3352-FB6C-D7FD-97A32D4C5084}"/>
+                <a16:creationId xmlns:a16="http://schemas.microsoft.com/office/drawing/2014/main" id="{8EB4D05E-02AD-1B96-0126-CC2DF7893BC6}"/>
               </a:ext>
             </a:extLst>
           </p:cNvPr>
@@ -7460,7 +7669,7 @@
             <p:ph idx="1"/>
           </p:nvPr>
         </p:nvPicPr>
-        <p:blipFill>
+        <p:blipFill rotWithShape="1">
           <a:blip r:embed="rId2">
             <a:extLst>
               <a:ext uri="{28A0092B-C50C-407E-A947-70E740481C1C}">
@@ -7468,14 +7677,13 @@
               </a:ext>
             </a:extLst>
           </a:blip>
-          <a:stretch>
-            <a:fillRect/>
-          </a:stretch>
+          <a:srcRect l="19209" t="4383"/>
+          <a:stretch/>
         </p:blipFill>
         <p:spPr>
           <a:xfrm>
-            <a:off x="304800" y="1120116"/>
-            <a:ext cx="7660640" cy="5422924"/>
+            <a:off x="2675823" y="404261"/>
+            <a:ext cx="6535553" cy="6121667"/>
           </a:xfrm>
         </p:spPr>
       </p:pic>
@@ -7514,7 +7722,7 @@
           <p:cNvPr id="2" name="Title 1">
             <a:extLst>
               <a:ext uri="{FF2B5EF4-FFF2-40B4-BE49-F238E27FC236}">
-                <a16:creationId xmlns:a16="http://schemas.microsoft.com/office/drawing/2014/main" id="{07AD5628-9A02-EBB9-08F9-BC8BCFD5A98B}"/>
+                <a16:creationId xmlns:a16="http://schemas.microsoft.com/office/drawing/2014/main" id="{CB7CB906-4720-5F01-3EC3-DA545EF55F0A}"/>
               </a:ext>
             </a:extLst>
           </p:cNvPr>
@@ -7527,8 +7735,8 @@
         </p:nvSpPr>
         <p:spPr>
           <a:xfrm>
-            <a:off x="677334" y="243840"/>
-            <a:ext cx="8596668" cy="680720"/>
+            <a:off x="677334" y="609600"/>
+            <a:ext cx="8596668" cy="795688"/>
           </a:xfrm>
         </p:spPr>
         <p:txBody>
@@ -7537,7 +7745,7 @@
           <a:p>
             <a:r>
               <a:rPr lang="en-US" dirty="0"/>
-              <a:t>Flow chart</a:t>
+              <a:t>Concept map</a:t>
             </a:r>
             <a:endParaRPr lang="en-IN" dirty="0"/>
           </a:p>
@@ -7545,10 +7753,10 @@
       </p:sp>
       <p:pic>
         <p:nvPicPr>
-          <p:cNvPr id="4" name="Content Placeholder 4">
+          <p:cNvPr id="5" name="Content Placeholder 4">
             <a:extLst>
               <a:ext uri="{FF2B5EF4-FFF2-40B4-BE49-F238E27FC236}">
-                <a16:creationId xmlns:a16="http://schemas.microsoft.com/office/drawing/2014/main" id="{823E8542-606D-8B3F-37F3-9684EC8CD227}"/>
+                <a16:creationId xmlns:a16="http://schemas.microsoft.com/office/drawing/2014/main" id="{BD8113F2-70D4-32A9-BE99-8B69505C7D15}"/>
               </a:ext>
             </a:extLst>
           </p:cNvPr>
@@ -7573,15 +7781,15 @@
         </p:blipFill>
         <p:spPr>
           <a:xfrm>
-            <a:off x="677334" y="924560"/>
-            <a:ext cx="9533586" cy="5689600"/>
+            <a:off x="340977" y="1405288"/>
+            <a:ext cx="8491907" cy="4803005"/>
           </a:xfrm>
         </p:spPr>
       </p:pic>
     </p:spTree>
     <p:extLst>
       <p:ext uri="{BB962C8B-B14F-4D97-AF65-F5344CB8AC3E}">
-        <p14:creationId xmlns:p14="http://schemas.microsoft.com/office/powerpoint/2010/main" val="220386041"/>
+        <p14:creationId xmlns:p14="http://schemas.microsoft.com/office/powerpoint/2010/main" val="3042131125"/>
       </p:ext>
     </p:extLst>
   </p:cSld>
@@ -7818,22 +8026,7 @@
             <a:pPr marL="0" indent="0">
               <a:buNone/>
             </a:pPr>
-            <a:r>
-              <a:rPr lang="en-US" sz="3600" dirty="0"/>
-              <a:t>Software</a:t>
-            </a:r>
-          </a:p>
-          <a:p>
-            <a:r>
-              <a:rPr lang="en-US" sz="1800" dirty="0"/>
-              <a:t>Ram : minimum 2GB</a:t>
-            </a:r>
-          </a:p>
-          <a:p>
-            <a:r>
-              <a:rPr lang="en-US" sz="1800" dirty="0"/>
-              <a:t>Storage: more than 5 GB</a:t>
-            </a:r>
+            <a:endParaRPr lang="en-US" sz="1800" dirty="0"/>
           </a:p>
           <a:p>
             <a:r>
@@ -7843,8 +8036,15 @@
           </a:p>
           <a:p>
             <a:r>
-              <a:rPr lang="en-US" sz="1800" dirty="0" err="1"/>
-              <a:t>Xamp</a:t>
+              <a:rPr lang="en-US" dirty="0"/>
+              <a:t>Appium </a:t>
+            </a:r>
+            <a:endParaRPr lang="en-US" sz="1800" dirty="0"/>
+          </a:p>
+          <a:p>
+            <a:r>
+              <a:rPr lang="en-US" dirty="0" err="1"/>
+              <a:t>intelliJ</a:t>
             </a:r>
             <a:endParaRPr lang="en-US" sz="1800" dirty="0"/>
           </a:p>
@@ -7861,10 +8061,6 @@
             </a:r>
           </a:p>
           <a:p>
-            <a:r>
-              <a:rPr lang="en-US" dirty="0"/>
-              <a:t>Appium </a:t>
-            </a:r>
             <a:endParaRPr lang="en-US" sz="1800" dirty="0"/>
           </a:p>
           <a:p>
@@ -7930,10 +8126,6 @@
           </a:bodyPr>
           <a:lstStyle/>
           <a:p>
-            <a:r>
-              <a:rPr lang="en-US" dirty="0"/>
-              <a:t>Hardware</a:t>
-            </a:r>
             <a:br>
               <a:rPr lang="en-US" dirty="0"/>
             </a:br>
@@ -7941,70 +8133,149 @@
           </a:p>
         </p:txBody>
       </p:sp>
-      <p:sp>
-        <p:nvSpPr>
-          <p:cNvPr id="3" name="Content Placeholder 2">
+      <p:pic>
+        <p:nvPicPr>
+          <p:cNvPr id="1026" name="Picture 2" descr="Understanding Appium and its Signifcance in Software Testing A Simple  Explanation | TestGrid | Blog">
             <a:extLst>
               <a:ext uri="{FF2B5EF4-FFF2-40B4-BE49-F238E27FC236}">
-                <a16:creationId xmlns:a16="http://schemas.microsoft.com/office/drawing/2014/main" id="{1B428071-58FB-CD28-0789-B0FF13511737}"/>
+                <a16:creationId xmlns:a16="http://schemas.microsoft.com/office/drawing/2014/main" id="{4D948E50-0CA5-C30E-BD23-93AB9C14E803}"/>
               </a:ext>
             </a:extLst>
           </p:cNvPr>
-          <p:cNvSpPr>
-            <a:spLocks noGrp="1"/>
-          </p:cNvSpPr>
+          <p:cNvPicPr>
+            <a:picLocks noGrp="1" noChangeAspect="1" noChangeArrowheads="1"/>
+          </p:cNvPicPr>
           <p:nvPr>
             <p:ph idx="1"/>
           </p:nvPr>
-        </p:nvSpPr>
-        <p:spPr>
+        </p:nvPicPr>
+        <p:blipFill>
+          <a:blip r:embed="rId2">
+            <a:extLst>
+              <a:ext uri="{28A0092B-C50C-407E-A947-70E740481C1C}">
+                <a14:useLocalDpi xmlns:a14="http://schemas.microsoft.com/office/drawing/2010/main" val="0"/>
+              </a:ext>
+            </a:extLst>
+          </a:blip>
+          <a:srcRect/>
+          <a:stretch>
+            <a:fillRect/>
+          </a:stretch>
+        </p:blipFill>
+        <p:spPr bwMode="auto">
           <a:xfrm>
-            <a:off x="677334" y="1896177"/>
-            <a:ext cx="8596668" cy="4145185"/>
+            <a:off x="1746643" y="1378752"/>
+            <a:ext cx="2724150" cy="1676400"/>
           </a:xfrm>
+          <a:prstGeom prst="rect">
+            <a:avLst/>
+          </a:prstGeom>
+          <a:noFill/>
+          <a:extLst>
+            <a:ext uri="{909E8E84-426E-40DD-AFC4-6F175D3DCCD1}">
+              <a14:hiddenFill xmlns:a14="http://schemas.microsoft.com/office/drawing/2010/main">
+                <a:solidFill>
+                  <a:srgbClr val="FFFFFF"/>
+                </a:solidFill>
+              </a14:hiddenFill>
+            </a:ext>
+          </a:extLst>
         </p:spPr>
-        <p:txBody>
-          <a:bodyPr>
-            <a:normAutofit/>
-          </a:bodyPr>
-          <a:lstStyle/>
-          <a:p>
-            <a:r>
-              <a:rPr lang="en-US" sz="2400" dirty="0"/>
-              <a:t>Mouse</a:t>
-            </a:r>
-          </a:p>
-          <a:p>
-            <a:r>
-              <a:rPr lang="en-US" sz="2400" dirty="0"/>
-              <a:t>Keyboard</a:t>
-            </a:r>
-          </a:p>
-          <a:p>
-            <a:r>
-              <a:rPr lang="en-US" sz="2400" dirty="0" err="1"/>
-              <a:t>Aandroid</a:t>
-            </a:r>
-            <a:r>
-              <a:rPr lang="en-US" sz="2400" dirty="0"/>
-              <a:t> mobile phones</a:t>
-            </a:r>
-          </a:p>
-          <a:p>
-            <a:r>
-              <a:rPr lang="en-US" sz="2400" dirty="0"/>
-              <a:t>Input devices</a:t>
-            </a:r>
-          </a:p>
-          <a:p>
-            <a:r>
-              <a:rPr lang="en-US" sz="2400" dirty="0"/>
-              <a:t>Output devices</a:t>
-            </a:r>
-            <a:endParaRPr lang="en-IN" sz="2400" dirty="0"/>
-          </a:p>
-        </p:txBody>
-      </p:sp>
+      </p:pic>
+      <p:pic>
+        <p:nvPicPr>
+          <p:cNvPr id="1028" name="Picture 4" descr="Why is Android Studio still such a gruesome embarrassment? | TechCrunch">
+            <a:extLst>
+              <a:ext uri="{FF2B5EF4-FFF2-40B4-BE49-F238E27FC236}">
+                <a16:creationId xmlns:a16="http://schemas.microsoft.com/office/drawing/2014/main" id="{48EF291C-319F-B6E4-0E9A-975DD1B5CFC9}"/>
+              </a:ext>
+            </a:extLst>
+          </p:cNvPr>
+          <p:cNvPicPr>
+            <a:picLocks noChangeAspect="1" noChangeArrowheads="1"/>
+          </p:cNvPicPr>
+          <p:nvPr/>
+        </p:nvPicPr>
+        <p:blipFill>
+          <a:blip r:embed="rId3">
+            <a:extLst>
+              <a:ext uri="{28A0092B-C50C-407E-A947-70E740481C1C}">
+                <a14:useLocalDpi xmlns:a14="http://schemas.microsoft.com/office/drawing/2010/main" val="0"/>
+              </a:ext>
+            </a:extLst>
+          </a:blip>
+          <a:srcRect/>
+          <a:stretch>
+            <a:fillRect/>
+          </a:stretch>
+        </p:blipFill>
+        <p:spPr bwMode="auto">
+          <a:xfrm>
+            <a:off x="5896936" y="1540677"/>
+            <a:ext cx="3028950" cy="1514475"/>
+          </a:xfrm>
+          <a:prstGeom prst="rect">
+            <a:avLst/>
+          </a:prstGeom>
+          <a:noFill/>
+          <a:extLst>
+            <a:ext uri="{909E8E84-426E-40DD-AFC4-6F175D3DCCD1}">
+              <a14:hiddenFill xmlns:a14="http://schemas.microsoft.com/office/drawing/2010/main">
+                <a:solidFill>
+                  <a:srgbClr val="FFFFFF"/>
+                </a:solidFill>
+              </a14:hiddenFill>
+            </a:ext>
+          </a:extLst>
+        </p:spPr>
+      </p:pic>
+      <p:pic>
+        <p:nvPicPr>
+          <p:cNvPr id="1030" name="Picture 6">
+            <a:extLst>
+              <a:ext uri="{FF2B5EF4-FFF2-40B4-BE49-F238E27FC236}">
+                <a16:creationId xmlns:a16="http://schemas.microsoft.com/office/drawing/2014/main" id="{33E5E339-F5BC-3228-4743-98B4BEFDEF7F}"/>
+              </a:ext>
+            </a:extLst>
+          </p:cNvPr>
+          <p:cNvPicPr>
+            <a:picLocks noChangeAspect="1" noChangeArrowheads="1"/>
+          </p:cNvPicPr>
+          <p:nvPr/>
+        </p:nvPicPr>
+        <p:blipFill>
+          <a:blip r:embed="rId4">
+            <a:extLst>
+              <a:ext uri="{28A0092B-C50C-407E-A947-70E740481C1C}">
+                <a14:useLocalDpi xmlns:a14="http://schemas.microsoft.com/office/drawing/2010/main" val="0"/>
+              </a:ext>
+            </a:extLst>
+          </a:blip>
+          <a:srcRect/>
+          <a:stretch>
+            <a:fillRect/>
+          </a:stretch>
+        </p:blipFill>
+        <p:spPr bwMode="auto">
+          <a:xfrm>
+            <a:off x="4215916" y="3835668"/>
+            <a:ext cx="2143125" cy="2143125"/>
+          </a:xfrm>
+          <a:prstGeom prst="rect">
+            <a:avLst/>
+          </a:prstGeom>
+          <a:noFill/>
+          <a:extLst>
+            <a:ext uri="{909E8E84-426E-40DD-AFC4-6F175D3DCCD1}">
+              <a14:hiddenFill xmlns:a14="http://schemas.microsoft.com/office/drawing/2010/main">
+                <a:solidFill>
+                  <a:srgbClr val="FFFFFF"/>
+                </a:solidFill>
+              </a14:hiddenFill>
+            </a:ext>
+          </a:extLst>
+        </p:spPr>
+      </p:pic>
     </p:spTree>
     <p:extLst>
       <p:ext uri="{BB962C8B-B14F-4D97-AF65-F5344CB8AC3E}">
@@ -8035,28 +8306,28 @@
         <a:srgbClr val="EBEBEB"/>
       </a:lt2>
       <a:accent1>
-        <a:srgbClr val="90C226"/>
+        <a:srgbClr val="5FCBEF"/>
       </a:accent1>
       <a:accent2>
-        <a:srgbClr val="54A021"/>
+        <a:srgbClr val="2E83C3"/>
       </a:accent2>
       <a:accent3>
-        <a:srgbClr val="E6B91E"/>
+        <a:srgbClr val="42D0A2"/>
       </a:accent3>
       <a:accent4>
-        <a:srgbClr val="E76618"/>
+        <a:srgbClr val="2E946B"/>
       </a:accent4>
       <a:accent5>
-        <a:srgbClr val="C42F1A"/>
+        <a:srgbClr val="42B051"/>
       </a:accent5>
       <a:accent6>
-        <a:srgbClr val="918655"/>
+        <a:srgbClr val="96D141"/>
       </a:accent6>
       <a:hlink>
-        <a:srgbClr val="99CA3C"/>
+        <a:srgbClr val="3FCDE7"/>
       </a:hlink>
       <a:folHlink>
-        <a:srgbClr val="B9D181"/>
+        <a:srgbClr val="A9D3E1"/>
       </a:folHlink>
     </a:clrScheme>
     <a:fontScheme name="Facet">
@@ -8269,7 +8540,7 @@
   <a:extraClrSchemeLst/>
   <a:extLst>
     <a:ext uri="{05A4C25C-085E-4340-85A3-A5531E510DB2}">
-      <thm15:themeFamily xmlns:thm15="http://schemas.microsoft.com/office/thememl/2012/main" name="Facet" id="{C0C680CD-088A-49FC-A102-D699147F32B2}" vid="{CFBC31BA-B70F-4F30-BCAA-4F3011E16C4D}"/>
+      <thm15:themeFamily xmlns:thm15="http://schemas.microsoft.com/office/thememl/2012/main" name="Facet" id="{C0C680CD-088A-49FC-A102-D699147F32B2}" vid="{0B5AB586-D108-4FC1-8368-649FE654B894}"/>
     </a:ext>
   </a:extLst>
 </a:theme>
